--- a/chapter7_SSE_Mean_Filter/sse_Mean_Filter.pptx
+++ b/chapter7_SSE_Mean_Filter/sse_Mean_Filter.pptx
@@ -7,10 +7,15 @@
   <p:sldIdLst>
     <p:sldId id="256" r:id="rId2"/>
     <p:sldId id="257" r:id="rId3"/>
-    <p:sldId id="303" r:id="rId4"/>
-    <p:sldId id="275" r:id="rId5"/>
+    <p:sldId id="316" r:id="rId4"/>
+    <p:sldId id="306" r:id="rId5"/>
     <p:sldId id="305" r:id="rId6"/>
-    <p:sldId id="264" r:id="rId7"/>
+    <p:sldId id="279" r:id="rId7"/>
+    <p:sldId id="281" r:id="rId8"/>
+    <p:sldId id="318" r:id="rId9"/>
+    <p:sldId id="308" r:id="rId10"/>
+    <p:sldId id="275" r:id="rId11"/>
+    <p:sldId id="264" r:id="rId12"/>
   </p:sldIdLst>
   <p:sldSz cx="12192000" cy="6858000"/>
   <p:notesSz cx="6858000" cy="9144000"/>
@@ -264,7 +269,7 @@
           <a:p>
             <a:fld id="{4EC90C23-4950-4AA0-AD0F-A6F1FECD91FD}" type="datetimeFigureOut">
               <a:rPr lang="ko-KR" altLang="en-US" smtClean="0"/>
-              <a:t>2021-05-12</a:t>
+              <a:t>2021-05-19</a:t>
             </a:fld>
             <a:endParaRPr lang="ko-KR" altLang="en-US"/>
           </a:p>
@@ -462,7 +467,7 @@
           <a:p>
             <a:fld id="{4EC90C23-4950-4AA0-AD0F-A6F1FECD91FD}" type="datetimeFigureOut">
               <a:rPr lang="ko-KR" altLang="en-US" smtClean="0"/>
-              <a:t>2021-05-12</a:t>
+              <a:t>2021-05-19</a:t>
             </a:fld>
             <a:endParaRPr lang="ko-KR" altLang="en-US"/>
           </a:p>
@@ -670,7 +675,7 @@
           <a:p>
             <a:fld id="{4EC90C23-4950-4AA0-AD0F-A6F1FECD91FD}" type="datetimeFigureOut">
               <a:rPr lang="ko-KR" altLang="en-US" smtClean="0"/>
-              <a:t>2021-05-12</a:t>
+              <a:t>2021-05-19</a:t>
             </a:fld>
             <a:endParaRPr lang="ko-KR" altLang="en-US"/>
           </a:p>
@@ -868,7 +873,7 @@
           <a:p>
             <a:fld id="{4EC90C23-4950-4AA0-AD0F-A6F1FECD91FD}" type="datetimeFigureOut">
               <a:rPr lang="ko-KR" altLang="en-US" smtClean="0"/>
-              <a:t>2021-05-12</a:t>
+              <a:t>2021-05-19</a:t>
             </a:fld>
             <a:endParaRPr lang="ko-KR" altLang="en-US"/>
           </a:p>
@@ -1143,7 +1148,7 @@
           <a:p>
             <a:fld id="{4EC90C23-4950-4AA0-AD0F-A6F1FECD91FD}" type="datetimeFigureOut">
               <a:rPr lang="ko-KR" altLang="en-US" smtClean="0"/>
-              <a:t>2021-05-12</a:t>
+              <a:t>2021-05-19</a:t>
             </a:fld>
             <a:endParaRPr lang="ko-KR" altLang="en-US"/>
           </a:p>
@@ -1408,7 +1413,7 @@
           <a:p>
             <a:fld id="{4EC90C23-4950-4AA0-AD0F-A6F1FECD91FD}" type="datetimeFigureOut">
               <a:rPr lang="ko-KR" altLang="en-US" smtClean="0"/>
-              <a:t>2021-05-12</a:t>
+              <a:t>2021-05-19</a:t>
             </a:fld>
             <a:endParaRPr lang="ko-KR" altLang="en-US"/>
           </a:p>
@@ -1820,7 +1825,7 @@
           <a:p>
             <a:fld id="{4EC90C23-4950-4AA0-AD0F-A6F1FECD91FD}" type="datetimeFigureOut">
               <a:rPr lang="ko-KR" altLang="en-US" smtClean="0"/>
-              <a:t>2021-05-12</a:t>
+              <a:t>2021-05-19</a:t>
             </a:fld>
             <a:endParaRPr lang="ko-KR" altLang="en-US"/>
           </a:p>
@@ -1961,7 +1966,7 @@
           <a:p>
             <a:fld id="{4EC90C23-4950-4AA0-AD0F-A6F1FECD91FD}" type="datetimeFigureOut">
               <a:rPr lang="ko-KR" altLang="en-US" smtClean="0"/>
-              <a:t>2021-05-12</a:t>
+              <a:t>2021-05-19</a:t>
             </a:fld>
             <a:endParaRPr lang="ko-KR" altLang="en-US"/>
           </a:p>
@@ -2074,7 +2079,7 @@
           <a:p>
             <a:fld id="{4EC90C23-4950-4AA0-AD0F-A6F1FECD91FD}" type="datetimeFigureOut">
               <a:rPr lang="ko-KR" altLang="en-US" smtClean="0"/>
-              <a:t>2021-05-12</a:t>
+              <a:t>2021-05-19</a:t>
             </a:fld>
             <a:endParaRPr lang="ko-KR" altLang="en-US"/>
           </a:p>
@@ -2385,7 +2390,7 @@
           <a:p>
             <a:fld id="{4EC90C23-4950-4AA0-AD0F-A6F1FECD91FD}" type="datetimeFigureOut">
               <a:rPr lang="ko-KR" altLang="en-US" smtClean="0"/>
-              <a:t>2021-05-12</a:t>
+              <a:t>2021-05-19</a:t>
             </a:fld>
             <a:endParaRPr lang="ko-KR" altLang="en-US"/>
           </a:p>
@@ -2673,7 +2678,7 @@
           <a:p>
             <a:fld id="{4EC90C23-4950-4AA0-AD0F-A6F1FECD91FD}" type="datetimeFigureOut">
               <a:rPr lang="ko-KR" altLang="en-US" smtClean="0"/>
-              <a:t>2021-05-12</a:t>
+              <a:t>2021-05-19</a:t>
             </a:fld>
             <a:endParaRPr lang="ko-KR" altLang="en-US"/>
           </a:p>
@@ -2914,7 +2919,7 @@
           <a:p>
             <a:fld id="{4EC90C23-4950-4AA0-AD0F-A6F1FECD91FD}" type="datetimeFigureOut">
               <a:rPr lang="ko-KR" altLang="en-US" smtClean="0"/>
-              <a:t>2021-05-12</a:t>
+              <a:t>2021-05-19</a:t>
             </a:fld>
             <a:endParaRPr lang="ko-KR" altLang="en-US"/>
           </a:p>
@@ -3361,8 +3366,8 @@
               <a:t> </a:t>
             </a:r>
             <a:r>
-              <a:rPr lang="en-US" altLang="ko-KR"/>
-              <a:t>HW#6</a:t>
+              <a:rPr lang="en-US" altLang="ko-KR" dirty="0"/>
+              <a:t>HW#7</a:t>
             </a:r>
             <a:endParaRPr lang="ko-KR" altLang="en-US" dirty="0"/>
           </a:p>
@@ -3409,6 +3414,883 @@
     <p:extLst>
       <p:ext uri="{BB962C8B-B14F-4D97-AF65-F5344CB8AC3E}">
         <p14:creationId xmlns:p14="http://schemas.microsoft.com/office/powerpoint/2010/main" val="2920409047"/>
+      </p:ext>
+    </p:extLst>
+  </p:cSld>
+  <p:clrMapOvr>
+    <a:masterClrMapping/>
+  </p:clrMapOvr>
+</p:sld>
+</file>
+
+<file path=ppt/slides/slide10.xml><?xml version="1.0" encoding="utf-8"?>
+<p:sld xmlns:a="http://schemas.openxmlformats.org/drawingml/2006/main" xmlns:r="http://schemas.openxmlformats.org/officeDocument/2006/relationships" xmlns:p="http://schemas.openxmlformats.org/presentationml/2006/main">
+  <p:cSld>
+    <p:spTree>
+      <p:nvGrpSpPr>
+        <p:cNvPr id="1" name=""/>
+        <p:cNvGrpSpPr/>
+        <p:nvPr/>
+      </p:nvGrpSpPr>
+      <p:grpSpPr>
+        <a:xfrm>
+          <a:off x="0" y="0"/>
+          <a:ext cx="0" cy="0"/>
+          <a:chOff x="0" y="0"/>
+          <a:chExt cx="0" cy="0"/>
+        </a:xfrm>
+      </p:grpSpPr>
+      <p:sp>
+        <p:nvSpPr>
+          <p:cNvPr id="2" name="제목 1">
+            <a:extLst>
+              <a:ext uri="{FF2B5EF4-FFF2-40B4-BE49-F238E27FC236}">
+                <a16:creationId xmlns:a16="http://schemas.microsoft.com/office/drawing/2014/main" id="{0E46A305-4707-4A95-98ED-B07749F0CB3F}"/>
+              </a:ext>
+            </a:extLst>
+          </p:cNvPr>
+          <p:cNvSpPr>
+            <a:spLocks noGrp="1"/>
+          </p:cNvSpPr>
+          <p:nvPr>
+            <p:ph type="title"/>
+          </p:nvPr>
+        </p:nvSpPr>
+        <p:spPr/>
+        <p:txBody>
+          <a:bodyPr/>
+          <a:lstStyle/>
+          <a:p>
+            <a:r>
+              <a:rPr lang="en-US" altLang="ko-KR" dirty="0"/>
+              <a:t>Result (Processing time)</a:t>
+            </a:r>
+            <a:endParaRPr lang="ko-KR" altLang="en-US" dirty="0"/>
+          </a:p>
+        </p:txBody>
+      </p:sp>
+      <p:graphicFrame>
+        <p:nvGraphicFramePr>
+          <p:cNvPr id="10" name="Table 8">
+            <a:extLst>
+              <a:ext uri="{FF2B5EF4-FFF2-40B4-BE49-F238E27FC236}">
+                <a16:creationId xmlns:a16="http://schemas.microsoft.com/office/drawing/2014/main" id="{902EE527-E2D9-4B3B-AEE6-211ECA885F8E}"/>
+              </a:ext>
+            </a:extLst>
+          </p:cNvPr>
+          <p:cNvGraphicFramePr>
+            <a:graphicFrameLocks noGrp="1"/>
+          </p:cNvGraphicFramePr>
+          <p:nvPr>
+            <p:extLst>
+              <p:ext uri="{D42A27DB-BD31-4B8C-83A1-F6EECF244321}">
+                <p14:modId xmlns:p14="http://schemas.microsoft.com/office/powerpoint/2010/main" val="1280794707"/>
+              </p:ext>
+            </p:extLst>
+          </p:nvPr>
+        </p:nvGraphicFramePr>
+        <p:xfrm>
+          <a:off x="539854" y="2221911"/>
+          <a:ext cx="10813944" cy="4339324"/>
+        </p:xfrm>
+        <a:graphic>
+          <a:graphicData uri="http://schemas.openxmlformats.org/drawingml/2006/table">
+            <a:tbl>
+              <a:tblPr firstRow="1" bandRow="1">
+                <a:tableStyleId>{073A0DAA-6AF3-43AB-8588-CEC1D06C72B9}</a:tableStyleId>
+              </a:tblPr>
+              <a:tblGrid>
+                <a:gridCol w="2703486">
+                  <a:extLst>
+                    <a:ext uri="{9D8B030D-6E8A-4147-A177-3AD203B41FA5}">
+                      <a16:colId xmlns:a16="http://schemas.microsoft.com/office/drawing/2014/main" val="3275501326"/>
+                    </a:ext>
+                  </a:extLst>
+                </a:gridCol>
+                <a:gridCol w="2703486">
+                  <a:extLst>
+                    <a:ext uri="{9D8B030D-6E8A-4147-A177-3AD203B41FA5}">
+                      <a16:colId xmlns:a16="http://schemas.microsoft.com/office/drawing/2014/main" val="460304235"/>
+                    </a:ext>
+                  </a:extLst>
+                </a:gridCol>
+                <a:gridCol w="2703486">
+                  <a:extLst>
+                    <a:ext uri="{9D8B030D-6E8A-4147-A177-3AD203B41FA5}">
+                      <a16:colId xmlns:a16="http://schemas.microsoft.com/office/drawing/2014/main" val="2967272413"/>
+                    </a:ext>
+                  </a:extLst>
+                </a:gridCol>
+                <a:gridCol w="2703486">
+                  <a:extLst>
+                    <a:ext uri="{9D8B030D-6E8A-4147-A177-3AD203B41FA5}">
+                      <a16:colId xmlns:a16="http://schemas.microsoft.com/office/drawing/2014/main" val="1829825008"/>
+                    </a:ext>
+                  </a:extLst>
+                </a:gridCol>
+              </a:tblGrid>
+              <a:tr h="1084831">
+                <a:tc>
+                  <a:txBody>
+                    <a:bodyPr/>
+                    <a:lstStyle/>
+                    <a:p>
+                      <a:pPr algn="ctr">
+                        <a:lnSpc>
+                          <a:spcPct val="100000"/>
+                        </a:lnSpc>
+                      </a:pPr>
+                      <a:r>
+                        <a:rPr lang="en-US" dirty="0"/>
+                        <a:t>Iteration</a:t>
+                      </a:r>
+                    </a:p>
+                  </a:txBody>
+                  <a:tcPr anchor="ctr"/>
+                </a:tc>
+                <a:tc>
+                  <a:txBody>
+                    <a:bodyPr/>
+                    <a:lstStyle/>
+                    <a:p>
+                      <a:pPr algn="ctr">
+                        <a:lnSpc>
+                          <a:spcPct val="100000"/>
+                        </a:lnSpc>
+                      </a:pPr>
+                      <a:r>
+                        <a:rPr lang="en-US" altLang="ko-KR" dirty="0"/>
+                        <a:t>Size</a:t>
+                      </a:r>
+                    </a:p>
+                  </a:txBody>
+                  <a:tcPr anchor="ctr"/>
+                </a:tc>
+                <a:tc>
+                  <a:txBody>
+                    <a:bodyPr/>
+                    <a:lstStyle/>
+                    <a:p>
+                      <a:pPr algn="ctr">
+                        <a:lnSpc>
+                          <a:spcPct val="100000"/>
+                        </a:lnSpc>
+                      </a:pPr>
+                      <a:r>
+                        <a:rPr lang="en-US" dirty="0"/>
+                        <a:t>OpenCV Serial (msec)</a:t>
+                      </a:r>
+                    </a:p>
+                  </a:txBody>
+                  <a:tcPr anchor="ctr"/>
+                </a:tc>
+                <a:tc>
+                  <a:txBody>
+                    <a:bodyPr/>
+                    <a:lstStyle/>
+                    <a:p>
+                      <a:pPr algn="ctr">
+                        <a:lnSpc>
+                          <a:spcPct val="100000"/>
+                        </a:lnSpc>
+                      </a:pPr>
+                      <a:r>
+                        <a:rPr lang="en-US" dirty="0"/>
+                        <a:t>SIMD(msec)</a:t>
+                      </a:r>
+                    </a:p>
+                  </a:txBody>
+                  <a:tcPr anchor="ctr"/>
+                </a:tc>
+                <a:extLst>
+                  <a:ext uri="{0D108BD9-81ED-4DB2-BD59-A6C34878D82A}">
+                    <a16:rowId xmlns:a16="http://schemas.microsoft.com/office/drawing/2014/main" val="824786533"/>
+                  </a:ext>
+                </a:extLst>
+              </a:tr>
+              <a:tr h="1084831">
+                <a:tc rowSpan="3">
+                  <a:txBody>
+                    <a:bodyPr/>
+                    <a:lstStyle/>
+                    <a:p>
+                      <a:pPr algn="ctr">
+                        <a:lnSpc>
+                          <a:spcPct val="100000"/>
+                        </a:lnSpc>
+                      </a:pPr>
+                      <a:r>
+                        <a:rPr lang="en-US" dirty="0"/>
+                        <a:t>10</a:t>
+                      </a:r>
+                    </a:p>
+                  </a:txBody>
+                  <a:tcPr anchor="ctr"/>
+                </a:tc>
+                <a:tc>
+                  <a:txBody>
+                    <a:bodyPr/>
+                    <a:lstStyle/>
+                    <a:p>
+                      <a:pPr marL="0" marR="0" lvl="0" indent="0" algn="ctr" defTabSz="914400" rtl="0" eaLnBrk="1" fontAlgn="auto" latinLnBrk="0" hangingPunct="1">
+                        <a:lnSpc>
+                          <a:spcPct val="100000"/>
+                        </a:lnSpc>
+                        <a:spcBef>
+                          <a:spcPts val="0"/>
+                        </a:spcBef>
+                        <a:spcAft>
+                          <a:spcPts val="0"/>
+                        </a:spcAft>
+                        <a:buClrTx/>
+                        <a:buSzTx/>
+                        <a:buFontTx/>
+                        <a:buNone/>
+                        <a:tabLst/>
+                        <a:defRPr/>
+                      </a:pPr>
+                      <a:r>
+                        <a:rPr lang="en-US" altLang="ko-KR" sz="1800" kern="1200" dirty="0">
+                          <a:solidFill>
+                            <a:schemeClr val="dk1"/>
+                          </a:solidFill>
+                          <a:latin typeface="+mn-lt"/>
+                          <a:ea typeface="+mn-ea"/>
+                          <a:cs typeface="+mn-cs"/>
+                        </a:rPr>
+                        <a:t>512</a:t>
+                      </a:r>
+                      <a:r>
+                        <a:rPr lang="en-US" altLang="ko-KR" dirty="0"/>
+                        <a:t> x </a:t>
+                      </a:r>
+                      <a:r>
+                        <a:rPr lang="en-US" altLang="ko-KR" sz="1800" kern="1200" dirty="0">
+                          <a:solidFill>
+                            <a:schemeClr val="dk1"/>
+                          </a:solidFill>
+                          <a:latin typeface="+mn-lt"/>
+                          <a:ea typeface="+mn-ea"/>
+                          <a:cs typeface="+mn-cs"/>
+                        </a:rPr>
+                        <a:t>512</a:t>
+                      </a:r>
+                      <a:endParaRPr lang="en-US" altLang="ko-KR" dirty="0"/>
+                    </a:p>
+                  </a:txBody>
+                  <a:tcPr anchor="ctr"/>
+                </a:tc>
+                <a:tc>
+                  <a:txBody>
+                    <a:bodyPr/>
+                    <a:lstStyle/>
+                    <a:p>
+                      <a:pPr algn="ctr">
+                        <a:lnSpc>
+                          <a:spcPct val="100000"/>
+                        </a:lnSpc>
+                      </a:pPr>
+                      <a:r>
+                        <a:rPr lang="en-US" dirty="0"/>
+                        <a:t>0.1424</a:t>
+                      </a:r>
+                    </a:p>
+                  </a:txBody>
+                  <a:tcPr anchor="ctr"/>
+                </a:tc>
+                <a:tc>
+                  <a:txBody>
+                    <a:bodyPr/>
+                    <a:lstStyle/>
+                    <a:p>
+                      <a:pPr algn="ctr">
+                        <a:lnSpc>
+                          <a:spcPct val="100000"/>
+                        </a:lnSpc>
+                      </a:pPr>
+                      <a:r>
+                        <a:rPr lang="en-US" dirty="0"/>
+                        <a:t>0.3039</a:t>
+                      </a:r>
+                    </a:p>
+                  </a:txBody>
+                  <a:tcPr anchor="ctr"/>
+                </a:tc>
+                <a:extLst>
+                  <a:ext uri="{0D108BD9-81ED-4DB2-BD59-A6C34878D82A}">
+                    <a16:rowId xmlns:a16="http://schemas.microsoft.com/office/drawing/2014/main" val="2145210586"/>
+                  </a:ext>
+                </a:extLst>
+              </a:tr>
+              <a:tr h="1084831">
+                <a:tc vMerge="1">
+                  <a:txBody>
+                    <a:bodyPr/>
+                    <a:lstStyle/>
+                    <a:p>
+                      <a:pPr algn="ctr"/>
+                      <a:endParaRPr lang="en-US" dirty="0"/>
+                    </a:p>
+                  </a:txBody>
+                  <a:tcPr/>
+                </a:tc>
+                <a:tc>
+                  <a:txBody>
+                    <a:bodyPr/>
+                    <a:lstStyle/>
+                    <a:p>
+                      <a:pPr marL="0" marR="0" lvl="0" indent="0" algn="ctr" defTabSz="914400" rtl="0" eaLnBrk="1" fontAlgn="auto" latinLnBrk="0" hangingPunct="1">
+                        <a:lnSpc>
+                          <a:spcPct val="100000"/>
+                        </a:lnSpc>
+                        <a:spcBef>
+                          <a:spcPts val="0"/>
+                        </a:spcBef>
+                        <a:spcAft>
+                          <a:spcPts val="0"/>
+                        </a:spcAft>
+                        <a:buClrTx/>
+                        <a:buSzTx/>
+                        <a:buFontTx/>
+                        <a:buNone/>
+                        <a:tabLst/>
+                        <a:defRPr/>
+                      </a:pPr>
+                      <a:r>
+                        <a:rPr lang="en-US" altLang="ko-KR" sz="1800" kern="1200" dirty="0">
+                          <a:solidFill>
+                            <a:schemeClr val="dk1"/>
+                          </a:solidFill>
+                          <a:latin typeface="+mn-lt"/>
+                          <a:ea typeface="+mn-ea"/>
+                          <a:cs typeface="+mn-cs"/>
+                        </a:rPr>
+                        <a:t>1024</a:t>
+                      </a:r>
+                      <a:r>
+                        <a:rPr lang="en-US" altLang="ko-KR" dirty="0"/>
+                        <a:t> x </a:t>
+                      </a:r>
+                      <a:r>
+                        <a:rPr lang="en-US" altLang="ko-KR" sz="1800" kern="1200" dirty="0">
+                          <a:solidFill>
+                            <a:schemeClr val="dk1"/>
+                          </a:solidFill>
+                          <a:latin typeface="+mn-lt"/>
+                          <a:ea typeface="+mn-ea"/>
+                          <a:cs typeface="+mn-cs"/>
+                        </a:rPr>
+                        <a:t>1024</a:t>
+                      </a:r>
+                      <a:endParaRPr lang="en-US" altLang="ko-KR" dirty="0"/>
+                    </a:p>
+                  </a:txBody>
+                  <a:tcPr anchor="ctr"/>
+                </a:tc>
+                <a:tc>
+                  <a:txBody>
+                    <a:bodyPr/>
+                    <a:lstStyle/>
+                    <a:p>
+                      <a:pPr algn="ctr">
+                        <a:lnSpc>
+                          <a:spcPct val="100000"/>
+                        </a:lnSpc>
+                      </a:pPr>
+                      <a:r>
+                        <a:rPr lang="en-US" dirty="0"/>
+                        <a:t>0.3028</a:t>
+                      </a:r>
+                    </a:p>
+                  </a:txBody>
+                  <a:tcPr anchor="ctr"/>
+                </a:tc>
+                <a:tc>
+                  <a:txBody>
+                    <a:bodyPr/>
+                    <a:lstStyle/>
+                    <a:p>
+                      <a:pPr algn="ctr">
+                        <a:lnSpc>
+                          <a:spcPct val="100000"/>
+                        </a:lnSpc>
+                      </a:pPr>
+                      <a:r>
+                        <a:rPr lang="en-US" dirty="0"/>
+                        <a:t>1.2226</a:t>
+                      </a:r>
+                    </a:p>
+                  </a:txBody>
+                  <a:tcPr anchor="ctr"/>
+                </a:tc>
+                <a:extLst>
+                  <a:ext uri="{0D108BD9-81ED-4DB2-BD59-A6C34878D82A}">
+                    <a16:rowId xmlns:a16="http://schemas.microsoft.com/office/drawing/2014/main" val="1193954469"/>
+                  </a:ext>
+                </a:extLst>
+              </a:tr>
+              <a:tr h="1084831">
+                <a:tc vMerge="1">
+                  <a:txBody>
+                    <a:bodyPr/>
+                    <a:lstStyle/>
+                    <a:p>
+                      <a:pPr algn="ctr"/>
+                      <a:endParaRPr lang="en-US" dirty="0"/>
+                    </a:p>
+                  </a:txBody>
+                  <a:tcPr/>
+                </a:tc>
+                <a:tc>
+                  <a:txBody>
+                    <a:bodyPr/>
+                    <a:lstStyle/>
+                    <a:p>
+                      <a:pPr marL="0" marR="0" lvl="0" indent="0" algn="ctr" defTabSz="914400" rtl="0" eaLnBrk="1" fontAlgn="auto" latinLnBrk="0" hangingPunct="1">
+                        <a:lnSpc>
+                          <a:spcPct val="100000"/>
+                        </a:lnSpc>
+                        <a:spcBef>
+                          <a:spcPts val="0"/>
+                        </a:spcBef>
+                        <a:spcAft>
+                          <a:spcPts val="0"/>
+                        </a:spcAft>
+                        <a:buClrTx/>
+                        <a:buSzTx/>
+                        <a:buFontTx/>
+                        <a:buNone/>
+                        <a:tabLst/>
+                        <a:defRPr/>
+                      </a:pPr>
+                      <a:r>
+                        <a:rPr lang="en-US" altLang="ko-KR" sz="1800" kern="1200" dirty="0">
+                          <a:solidFill>
+                            <a:schemeClr val="dk1"/>
+                          </a:solidFill>
+                          <a:latin typeface="+mn-lt"/>
+                          <a:ea typeface="+mn-ea"/>
+                          <a:cs typeface="+mn-cs"/>
+                        </a:rPr>
+                        <a:t>6024</a:t>
+                      </a:r>
+                      <a:r>
+                        <a:rPr lang="en-US" altLang="ko-KR" dirty="0"/>
+                        <a:t> x </a:t>
+                      </a:r>
+                      <a:r>
+                        <a:rPr lang="en-US" altLang="ko-KR" sz="1800" kern="1200" dirty="0">
+                          <a:solidFill>
+                            <a:schemeClr val="dk1"/>
+                          </a:solidFill>
+                          <a:latin typeface="+mn-lt"/>
+                          <a:ea typeface="+mn-ea"/>
+                          <a:cs typeface="+mn-cs"/>
+                        </a:rPr>
+                        <a:t>6024</a:t>
+                      </a:r>
+                      <a:endParaRPr lang="en-US" altLang="ko-KR" dirty="0"/>
+                    </a:p>
+                  </a:txBody>
+                  <a:tcPr anchor="ctr"/>
+                </a:tc>
+                <a:tc>
+                  <a:txBody>
+                    <a:bodyPr/>
+                    <a:lstStyle/>
+                    <a:p>
+                      <a:pPr algn="ctr">
+                        <a:lnSpc>
+                          <a:spcPct val="100000"/>
+                        </a:lnSpc>
+                      </a:pPr>
+                      <a:r>
+                        <a:rPr lang="en-US" dirty="0"/>
+                        <a:t>12.167</a:t>
+                      </a:r>
+                    </a:p>
+                  </a:txBody>
+                  <a:tcPr anchor="ctr"/>
+                </a:tc>
+                <a:tc>
+                  <a:txBody>
+                    <a:bodyPr/>
+                    <a:lstStyle/>
+                    <a:p>
+                      <a:pPr algn="ctr">
+                        <a:lnSpc>
+                          <a:spcPct val="100000"/>
+                        </a:lnSpc>
+                      </a:pPr>
+                      <a:r>
+                        <a:rPr lang="en-US" dirty="0"/>
+                        <a:t>40.4353</a:t>
+                      </a:r>
+                    </a:p>
+                  </a:txBody>
+                  <a:tcPr anchor="ctr"/>
+                </a:tc>
+                <a:extLst>
+                  <a:ext uri="{0D108BD9-81ED-4DB2-BD59-A6C34878D82A}">
+                    <a16:rowId xmlns:a16="http://schemas.microsoft.com/office/drawing/2014/main" val="1155999513"/>
+                  </a:ext>
+                </a:extLst>
+              </a:tr>
+            </a:tbl>
+          </a:graphicData>
+        </a:graphic>
+      </p:graphicFrame>
+      <p:sp>
+        <p:nvSpPr>
+          <p:cNvPr id="4" name="내용 개체 틀 4">
+            <a:extLst>
+              <a:ext uri="{FF2B5EF4-FFF2-40B4-BE49-F238E27FC236}">
+                <a16:creationId xmlns:a16="http://schemas.microsoft.com/office/drawing/2014/main" id="{0A509DF6-D883-4510-B945-553DD724B70D}"/>
+              </a:ext>
+            </a:extLst>
+          </p:cNvPr>
+          <p:cNvSpPr>
+            <a:spLocks noGrp="1"/>
+          </p:cNvSpPr>
+          <p:nvPr>
+            <p:ph idx="1"/>
+          </p:nvPr>
+        </p:nvSpPr>
+        <p:spPr>
+          <a:xfrm>
+            <a:off x="838200" y="1486824"/>
+            <a:ext cx="10515600" cy="529647"/>
+          </a:xfrm>
+        </p:spPr>
+        <p:txBody>
+          <a:bodyPr>
+            <a:normAutofit/>
+          </a:bodyPr>
+          <a:lstStyle/>
+          <a:p>
+            <a:r>
+              <a:rPr lang="ko-KR" altLang="en-US" sz="2400" b="0" i="0" dirty="0">
+                <a:solidFill>
+                  <a:srgbClr val="000000"/>
+                </a:solidFill>
+                <a:effectLst/>
+                <a:latin typeface="Noto Sans"/>
+              </a:rPr>
+              <a:t>기존 </a:t>
+            </a:r>
+            <a:r>
+              <a:rPr lang="en-US" altLang="ko-KR" sz="2400" b="0" i="0" dirty="0">
+                <a:solidFill>
+                  <a:srgbClr val="000000"/>
+                </a:solidFill>
+                <a:effectLst/>
+                <a:latin typeface="Noto Sans"/>
+              </a:rPr>
+              <a:t>OpenCV </a:t>
+            </a:r>
+            <a:r>
+              <a:rPr lang="ko-KR" altLang="en-US" sz="2400" b="0" i="0" dirty="0">
+                <a:solidFill>
+                  <a:srgbClr val="000000"/>
+                </a:solidFill>
+                <a:effectLst/>
+                <a:latin typeface="Noto Sans"/>
+              </a:rPr>
+              <a:t>함수에 비해 낮은 성능을 보인다</a:t>
+            </a:r>
+            <a:endParaRPr lang="en-US" altLang="ko-KR" sz="2400" b="0" i="0" dirty="0">
+              <a:solidFill>
+                <a:srgbClr val="000000"/>
+              </a:solidFill>
+              <a:effectLst/>
+              <a:latin typeface="Noto Sans"/>
+            </a:endParaRPr>
+          </a:p>
+        </p:txBody>
+      </p:sp>
+    </p:spTree>
+    <p:extLst>
+      <p:ext uri="{BB962C8B-B14F-4D97-AF65-F5344CB8AC3E}">
+        <p14:creationId xmlns:p14="http://schemas.microsoft.com/office/powerpoint/2010/main" val="4181975211"/>
+      </p:ext>
+    </p:extLst>
+  </p:cSld>
+  <p:clrMapOvr>
+    <a:masterClrMapping/>
+  </p:clrMapOvr>
+</p:sld>
+</file>
+
+<file path=ppt/slides/slide11.xml><?xml version="1.0" encoding="utf-8"?>
+<p:sld xmlns:a="http://schemas.openxmlformats.org/drawingml/2006/main" xmlns:r="http://schemas.openxmlformats.org/officeDocument/2006/relationships" xmlns:p="http://schemas.openxmlformats.org/presentationml/2006/main">
+  <p:cSld>
+    <p:spTree>
+      <p:nvGrpSpPr>
+        <p:cNvPr id="1" name=""/>
+        <p:cNvGrpSpPr/>
+        <p:nvPr/>
+      </p:nvGrpSpPr>
+      <p:grpSpPr>
+        <a:xfrm>
+          <a:off x="0" y="0"/>
+          <a:ext cx="0" cy="0"/>
+          <a:chOff x="0" y="0"/>
+          <a:chExt cx="0" cy="0"/>
+        </a:xfrm>
+      </p:grpSpPr>
+      <p:sp>
+        <p:nvSpPr>
+          <p:cNvPr id="2" name="제목 1">
+            <a:extLst>
+              <a:ext uri="{FF2B5EF4-FFF2-40B4-BE49-F238E27FC236}">
+                <a16:creationId xmlns:a16="http://schemas.microsoft.com/office/drawing/2014/main" id="{5C24A02C-94C1-439F-AC19-4F428DCD8A64}"/>
+              </a:ext>
+            </a:extLst>
+          </p:cNvPr>
+          <p:cNvSpPr>
+            <a:spLocks noGrp="1"/>
+          </p:cNvSpPr>
+          <p:nvPr>
+            <p:ph type="title"/>
+          </p:nvPr>
+        </p:nvSpPr>
+        <p:spPr/>
+        <p:txBody>
+          <a:bodyPr/>
+          <a:lstStyle/>
+          <a:p>
+            <a:r>
+              <a:rPr lang="en-US" altLang="ko-KR"/>
+              <a:t>Conclusions and discussions</a:t>
+            </a:r>
+            <a:endParaRPr lang="ko-KR" altLang="en-US"/>
+          </a:p>
+        </p:txBody>
+      </p:sp>
+      <p:sp>
+        <p:nvSpPr>
+          <p:cNvPr id="3" name="내용 개체 틀 2">
+            <a:extLst>
+              <a:ext uri="{FF2B5EF4-FFF2-40B4-BE49-F238E27FC236}">
+                <a16:creationId xmlns:a16="http://schemas.microsoft.com/office/drawing/2014/main" id="{005DC1F3-0C54-4736-8EE0-0E1F17E7F776}"/>
+              </a:ext>
+            </a:extLst>
+          </p:cNvPr>
+          <p:cNvSpPr>
+            <a:spLocks noGrp="1"/>
+          </p:cNvSpPr>
+          <p:nvPr>
+            <p:ph idx="1"/>
+          </p:nvPr>
+        </p:nvSpPr>
+        <p:spPr/>
+        <p:txBody>
+          <a:bodyPr>
+            <a:normAutofit/>
+          </a:bodyPr>
+          <a:lstStyle/>
+          <a:p>
+            <a:r>
+              <a:rPr lang="en-US" altLang="ko-KR" sz="1400" dirty="0"/>
+              <a:t>SSE</a:t>
+            </a:r>
+            <a:r>
+              <a:rPr lang="ko-KR" altLang="en-US" sz="1400" dirty="0"/>
+              <a:t>라는 생소한 개념과 처음 보는 함수를 사용하여 프로젝트를 진행해 쉽지 않았다</a:t>
+            </a:r>
+            <a:r>
+              <a:rPr lang="en-US" altLang="ko-KR" sz="1400" dirty="0"/>
+              <a:t>. </a:t>
+            </a:r>
+            <a:r>
+              <a:rPr lang="ko-KR" altLang="en-US" sz="1400" dirty="0"/>
+              <a:t>하지만 </a:t>
+            </a:r>
+            <a:r>
+              <a:rPr lang="en-US" altLang="ko-KR" sz="1400" dirty="0"/>
+              <a:t>OpenMP</a:t>
+            </a:r>
+            <a:r>
+              <a:rPr lang="ko-KR" altLang="en-US" sz="1400" dirty="0"/>
+              <a:t>와 같이 </a:t>
+            </a:r>
+            <a:r>
+              <a:rPr lang="en-US" altLang="ko-KR" sz="1400" dirty="0"/>
+              <a:t>task </a:t>
+            </a:r>
+            <a:r>
+              <a:rPr lang="ko-KR" altLang="en-US" sz="1400" dirty="0"/>
+              <a:t>단위 병렬 처리가 아닌</a:t>
+            </a:r>
+            <a:r>
+              <a:rPr lang="en-US" altLang="ko-KR" sz="1400" dirty="0"/>
+              <a:t>, bit </a:t>
+            </a:r>
+            <a:r>
+              <a:rPr lang="ko-KR" altLang="en-US" sz="1400" dirty="0"/>
+              <a:t>단위 병렬 처리에 대한 새로운 시각을 가질 수 있었다</a:t>
+            </a:r>
+            <a:r>
+              <a:rPr lang="en-US" altLang="ko-KR" sz="1400" dirty="0"/>
+              <a:t>.</a:t>
+            </a:r>
+          </a:p>
+          <a:p>
+            <a:r>
+              <a:rPr lang="ko-KR" altLang="en-US" sz="1400" dirty="0"/>
+              <a:t>이미 최적화가 진행된 </a:t>
+            </a:r>
+            <a:r>
+              <a:rPr lang="en-US" altLang="ko-KR" sz="1400" dirty="0"/>
+              <a:t>OpenCV</a:t>
+            </a:r>
+            <a:r>
+              <a:rPr lang="ko-KR" altLang="en-US" sz="1400" dirty="0"/>
+              <a:t>에 비해 현저히 부족한 성능을 보였다</a:t>
+            </a:r>
+            <a:r>
+              <a:rPr lang="en-US" altLang="ko-KR" sz="1400" dirty="0"/>
+              <a:t>. </a:t>
+            </a:r>
+            <a:r>
+              <a:rPr lang="ko-KR" altLang="en-US" sz="1400" dirty="0"/>
+              <a:t>이는 마지막 </a:t>
+            </a:r>
+            <a:r>
+              <a:rPr lang="en-US" altLang="ko-KR" sz="1400" dirty="0"/>
+              <a:t>divide </a:t>
+            </a:r>
+            <a:r>
+              <a:rPr lang="ko-KR" altLang="en-US" sz="1400" dirty="0"/>
+              <a:t>부분을 단순히 </a:t>
+            </a:r>
+            <a:r>
+              <a:rPr lang="en-US" altLang="ko-KR" sz="1400" dirty="0"/>
+              <a:t>for</a:t>
+            </a:r>
+            <a:r>
+              <a:rPr lang="ko-KR" altLang="en-US" sz="1400" dirty="0"/>
+              <a:t>문으로 처리한 것이 큰 영향을 미쳤을 것으로 예상된다</a:t>
+            </a:r>
+            <a:r>
+              <a:rPr lang="en-US" altLang="ko-KR" sz="1400" dirty="0"/>
+              <a:t>. </a:t>
+            </a:r>
+            <a:r>
+              <a:rPr lang="ko-KR" altLang="en-US" sz="1400" dirty="0"/>
+              <a:t>해당 문제는 </a:t>
+            </a:r>
+            <a:r>
+              <a:rPr lang="en-US" altLang="ko-KR" sz="1400" dirty="0"/>
+              <a:t>SSE </a:t>
+            </a:r>
+            <a:r>
+              <a:rPr lang="ko-KR" altLang="en-US" sz="1400" dirty="0"/>
+              <a:t>함수에 대한 이해가 부족해 발생한 결과이며</a:t>
+            </a:r>
+            <a:r>
+              <a:rPr lang="en-US" altLang="ko-KR" sz="1400" dirty="0"/>
+              <a:t>, </a:t>
+            </a:r>
+            <a:r>
+              <a:rPr lang="ko-KR" altLang="en-US" sz="1400" dirty="0"/>
+              <a:t>과제 이후 개인적으로 찾아 성능 향상을 도모하고자 한다</a:t>
+            </a:r>
+            <a:r>
+              <a:rPr lang="en-US" altLang="ko-KR" sz="1400" dirty="0"/>
+              <a:t>.</a:t>
+            </a:r>
+          </a:p>
+          <a:p>
+            <a:r>
+              <a:rPr lang="ko-KR" altLang="en-US" sz="1400" dirty="0"/>
+              <a:t>다수의 </a:t>
+            </a:r>
+            <a:r>
+              <a:rPr lang="en-US" altLang="ko-KR" sz="1400" dirty="0"/>
+              <a:t>For</a:t>
+            </a:r>
+            <a:r>
+              <a:rPr lang="ko-KR" altLang="en-US" sz="1400" dirty="0"/>
+              <a:t>문이 있는 것으로 보아</a:t>
+            </a:r>
+            <a:r>
+              <a:rPr lang="en-US" altLang="ko-KR" sz="1400" dirty="0"/>
+              <a:t>, </a:t>
+            </a:r>
+            <a:r>
+              <a:rPr lang="ko-KR" altLang="en-US" sz="1400" dirty="0"/>
+              <a:t>이전 과제에서 진행한 </a:t>
+            </a:r>
+            <a:r>
+              <a:rPr lang="en-US" altLang="ko-KR" sz="1400" dirty="0"/>
+              <a:t>OpenMP</a:t>
+            </a:r>
+            <a:r>
+              <a:rPr lang="ko-KR" altLang="en-US" sz="1400" dirty="0"/>
+              <a:t>와의 호환성이 기대된다</a:t>
+            </a:r>
+            <a:r>
+              <a:rPr lang="en-US" altLang="ko-KR" sz="1400" dirty="0"/>
+              <a:t>. SSEMean_8bit</a:t>
+            </a:r>
+            <a:r>
+              <a:rPr lang="ko-KR" altLang="en-US" sz="1400" dirty="0"/>
+              <a:t> 함수 내에 </a:t>
+            </a:r>
+            <a:r>
+              <a:rPr lang="en-US" altLang="ko-KR" sz="1400" dirty="0"/>
+              <a:t>for</a:t>
+            </a:r>
+            <a:r>
+              <a:rPr lang="ko-KR" altLang="en-US" sz="1400" dirty="0"/>
+              <a:t>문을 이전 프로젝트와 같이 </a:t>
+            </a:r>
+            <a:r>
+              <a:rPr lang="en-US" altLang="ko-KR" sz="1400" dirty="0"/>
+              <a:t>section</a:t>
+            </a:r>
+            <a:r>
+              <a:rPr lang="ko-KR" altLang="en-US" sz="1400" dirty="0"/>
+              <a:t>으로 나눠 계산한다면 높은 성능 향상을 예상한다</a:t>
+            </a:r>
+            <a:r>
+              <a:rPr lang="en-US" altLang="ko-KR" sz="1400" dirty="0"/>
+              <a:t>.</a:t>
+            </a:r>
+          </a:p>
+          <a:p>
+            <a:r>
+              <a:rPr lang="ko-KR" altLang="en-US" sz="1400" dirty="0"/>
+              <a:t>단순한 </a:t>
+            </a:r>
+            <a:r>
+              <a:rPr lang="en-US" altLang="ko-KR" sz="1400" dirty="0"/>
+              <a:t>bit </a:t>
+            </a:r>
+            <a:r>
+              <a:rPr lang="ko-KR" altLang="en-US" sz="1400" dirty="0"/>
+              <a:t>단위의 연산을 고민하여 이후 </a:t>
+            </a:r>
+            <a:r>
+              <a:rPr lang="en-US" altLang="ko-KR" sz="1400" dirty="0"/>
+              <a:t>GPU </a:t>
+            </a:r>
+            <a:r>
+              <a:rPr lang="ko-KR" altLang="en-US" sz="1400" dirty="0"/>
+              <a:t>코딩에서도 더욱 명확한 실습을 할 수 있을 것으로 예상된다</a:t>
+            </a:r>
+            <a:r>
+              <a:rPr lang="en-US" altLang="ko-KR" sz="1400" dirty="0"/>
+              <a:t>.</a:t>
+            </a:r>
+          </a:p>
+        </p:txBody>
+      </p:sp>
+    </p:spTree>
+    <p:extLst>
+      <p:ext uri="{BB962C8B-B14F-4D97-AF65-F5344CB8AC3E}">
+        <p14:creationId xmlns:p14="http://schemas.microsoft.com/office/powerpoint/2010/main" val="3699511392"/>
       </p:ext>
     </p:extLst>
   </p:cSld>
@@ -3487,32 +4369,40 @@
           <a:p>
             <a:r>
               <a:rPr lang="en-US" altLang="ko-KR" dirty="0"/>
-              <a:t>Introduction</a:t>
-            </a:r>
-          </a:p>
-          <a:p>
+              <a:t>Problem</a:t>
+            </a:r>
+          </a:p>
+          <a:p>
+            <a:pPr lvl="1"/>
             <a:r>
               <a:rPr lang="en-US" altLang="ko-KR" dirty="0"/>
-              <a:t>Problem</a:t>
+              <a:t>Coding for 3x3 mean filter</a:t>
             </a:r>
           </a:p>
           <a:p>
             <a:pPr lvl="1"/>
             <a:r>
-              <a:rPr lang="en-US" altLang="ko-KR"/>
-              <a:t>Making pseudo code</a:t>
+              <a:rPr lang="en-US" altLang="ko-KR" dirty="0"/>
+              <a:t>8bit alignment -&gt; number of 16 pixels in each register</a:t>
             </a:r>
           </a:p>
           <a:p>
             <a:pPr lvl="1"/>
             <a:r>
-              <a:rPr lang="en-US" altLang="ko-KR"/>
+              <a:rPr lang="en-US" altLang="ko-KR" dirty="0"/>
+              <a:t>Code of project</a:t>
+            </a:r>
+          </a:p>
+          <a:p>
+            <a:pPr lvl="1"/>
+            <a:r>
+              <a:rPr lang="en-US" altLang="ko-KR" dirty="0"/>
               <a:t>Result</a:t>
             </a:r>
           </a:p>
           <a:p>
             <a:r>
-              <a:rPr lang="en-US" altLang="ko-KR"/>
+              <a:rPr lang="en-US" altLang="ko-KR" dirty="0"/>
               <a:t>Conclusions And Discussions</a:t>
             </a:r>
           </a:p>
@@ -3569,7 +4459,7 @@
         </p:nvSpPr>
         <p:spPr>
           <a:xfrm>
-            <a:off x="838200" y="244677"/>
+            <a:off x="838200" y="15971"/>
             <a:ext cx="10515600" cy="1325563"/>
           </a:xfrm>
         </p:spPr>
@@ -3579,7 +4469,7 @@
           <a:p>
             <a:r>
               <a:rPr lang="en-US" altLang="ko-KR" dirty="0"/>
-              <a:t>Introduction</a:t>
+              <a:t>Mean Filter</a:t>
             </a:r>
             <a:endParaRPr lang="ko-KR" altLang="en-US" dirty="0"/>
           </a:p>
@@ -3587,10 +4477,10 @@
       </p:sp>
       <p:sp>
         <p:nvSpPr>
-          <p:cNvPr id="3" name="내용 개체 틀 2">
-            <a:extLst>
-              <a:ext uri="{FF2B5EF4-FFF2-40B4-BE49-F238E27FC236}">
-                <a16:creationId xmlns:a16="http://schemas.microsoft.com/office/drawing/2014/main" id="{639A7B6D-5C8B-46AD-AD26-06059D7C2C87}"/>
+          <p:cNvPr id="5" name="내용 개체 틀 4">
+            <a:extLst>
+              <a:ext uri="{FF2B5EF4-FFF2-40B4-BE49-F238E27FC236}">
+                <a16:creationId xmlns:a16="http://schemas.microsoft.com/office/drawing/2014/main" id="{7A46B86B-3DBF-437B-B7F2-4EFB219620C9}"/>
               </a:ext>
             </a:extLst>
           </p:cNvPr>
@@ -3603,8 +4493,8 @@
         </p:nvSpPr>
         <p:spPr>
           <a:xfrm>
-            <a:off x="838200" y="1784554"/>
-            <a:ext cx="10515600" cy="4351338"/>
+            <a:off x="838200" y="1341534"/>
+            <a:ext cx="10515600" cy="1430066"/>
           </a:xfrm>
         </p:spPr>
         <p:txBody>
@@ -3614,51 +4504,201 @@
           <a:lstStyle/>
           <a:p>
             <a:r>
-              <a:rPr lang="en-US" altLang="ko-KR" sz="2400"/>
-              <a:t>3x3 mean filter for image processing</a:t>
-            </a:r>
-          </a:p>
-          <a:p>
-            <a:r>
-              <a:rPr lang="en-US" altLang="ko-KR" sz="2400"/>
-              <a:t>Should find appropriate SSE Intrinsics functions</a:t>
-            </a:r>
-          </a:p>
-          <a:p>
-            <a:pPr lvl="1"/>
-            <a:r>
-              <a:rPr lang="en-US" altLang="ko-KR" sz="2000"/>
-              <a:t>Consider</a:t>
-            </a:r>
-          </a:p>
-          <a:p>
-            <a:pPr lvl="2"/>
-            <a:r>
-              <a:rPr lang="en-US" altLang="ko-KR" sz="1600"/>
-              <a:t>Image data ar uchar type</a:t>
-            </a:r>
-          </a:p>
-          <a:p>
-            <a:pPr lvl="2"/>
-            <a:r>
-              <a:rPr lang="en-US" altLang="ko-KR" sz="1600"/>
-              <a:t>Type conversion is needed</a:t>
-            </a:r>
-          </a:p>
-          <a:p>
-            <a:pPr lvl="2"/>
-            <a:r>
-              <a:rPr lang="en-US" altLang="ko-KR" sz="1600"/>
-              <a:t>Data shuffling may be needed</a:t>
-            </a:r>
-            <a:endParaRPr lang="ko-KR" altLang="en-US" sz="1600" dirty="0"/>
-          </a:p>
-        </p:txBody>
-      </p:sp>
+              <a:rPr lang="en-US" altLang="ko-KR" sz="2000" dirty="0">
+                <a:solidFill>
+                  <a:srgbClr val="000000"/>
+                </a:solidFill>
+                <a:latin typeface="Noto Sans"/>
+              </a:rPr>
+              <a:t>Center</a:t>
+            </a:r>
+            <a:r>
+              <a:rPr lang="ko-KR" altLang="en-US" sz="2000" dirty="0">
+                <a:solidFill>
+                  <a:srgbClr val="000000"/>
+                </a:solidFill>
+                <a:latin typeface="Noto Sans"/>
+              </a:rPr>
+              <a:t> </a:t>
+            </a:r>
+            <a:r>
+              <a:rPr lang="en-US" altLang="ko-KR" sz="2000" dirty="0">
+                <a:solidFill>
+                  <a:srgbClr val="000000"/>
+                </a:solidFill>
+                <a:latin typeface="Noto Sans"/>
+              </a:rPr>
+              <a:t>pixel</a:t>
+            </a:r>
+            <a:r>
+              <a:rPr lang="ko-KR" altLang="en-US" sz="2000" dirty="0">
+                <a:solidFill>
+                  <a:srgbClr val="000000"/>
+                </a:solidFill>
+                <a:latin typeface="Noto Sans"/>
+              </a:rPr>
+              <a:t>을 중심으로 </a:t>
+            </a:r>
+            <a:r>
+              <a:rPr lang="en-US" altLang="ko-KR" sz="2000" dirty="0">
+                <a:solidFill>
+                  <a:srgbClr val="000000"/>
+                </a:solidFill>
+                <a:latin typeface="Noto Sans"/>
+              </a:rPr>
+              <a:t>kernel</a:t>
+            </a:r>
+            <a:r>
+              <a:rPr lang="ko-KR" altLang="en-US" sz="2000" dirty="0">
+                <a:solidFill>
+                  <a:srgbClr val="000000"/>
+                </a:solidFill>
+                <a:latin typeface="Noto Sans"/>
+              </a:rPr>
+              <a:t>에서 같은 </a:t>
+            </a:r>
+            <a:r>
+              <a:rPr lang="en-US" altLang="ko-KR" sz="2000" dirty="0">
+                <a:solidFill>
+                  <a:srgbClr val="000000"/>
+                </a:solidFill>
+                <a:latin typeface="Noto Sans"/>
+              </a:rPr>
+              <a:t>weight</a:t>
+            </a:r>
+            <a:r>
+              <a:rPr lang="ko-KR" altLang="en-US" sz="2000" dirty="0">
+                <a:solidFill>
+                  <a:srgbClr val="000000"/>
+                </a:solidFill>
+                <a:latin typeface="Noto Sans"/>
+              </a:rPr>
+              <a:t>를 적용하여 값을 변경</a:t>
+            </a:r>
+            <a:endParaRPr lang="en-US" altLang="ko-KR" sz="2000" dirty="0">
+              <a:solidFill>
+                <a:srgbClr val="000000"/>
+              </a:solidFill>
+              <a:latin typeface="Noto Sans"/>
+            </a:endParaRPr>
+          </a:p>
+          <a:p>
+            <a:r>
+              <a:rPr lang="en-US" altLang="ko-KR" sz="2000" dirty="0" err="1">
+                <a:solidFill>
+                  <a:srgbClr val="000000"/>
+                </a:solidFill>
+                <a:latin typeface="Noto Sans"/>
+              </a:rPr>
+              <a:t>Fiter</a:t>
+            </a:r>
+            <a:r>
+              <a:rPr lang="ko-KR" altLang="en-US" sz="2000" dirty="0">
+                <a:solidFill>
+                  <a:srgbClr val="000000"/>
+                </a:solidFill>
+                <a:latin typeface="Noto Sans"/>
+              </a:rPr>
+              <a:t>의 크기에 따라 </a:t>
+            </a:r>
+            <a:r>
+              <a:rPr lang="en-US" altLang="ko-KR" sz="2000" dirty="0">
+                <a:solidFill>
+                  <a:srgbClr val="000000"/>
+                </a:solidFill>
+                <a:latin typeface="Noto Sans"/>
+              </a:rPr>
+              <a:t>kernel</a:t>
+            </a:r>
+            <a:r>
+              <a:rPr lang="ko-KR" altLang="en-US" sz="2000" dirty="0">
+                <a:solidFill>
+                  <a:srgbClr val="000000"/>
+                </a:solidFill>
+                <a:latin typeface="Noto Sans"/>
+              </a:rPr>
+              <a:t>의 크기가 변경되며</a:t>
+            </a:r>
+            <a:r>
+              <a:rPr lang="en-US" altLang="ko-KR" sz="2000" dirty="0">
+                <a:solidFill>
+                  <a:srgbClr val="000000"/>
+                </a:solidFill>
+                <a:latin typeface="Noto Sans"/>
+              </a:rPr>
+              <a:t>, </a:t>
+            </a:r>
+            <a:r>
+              <a:rPr lang="ko-KR" altLang="en-US" sz="2000" dirty="0">
+                <a:solidFill>
+                  <a:srgbClr val="000000"/>
+                </a:solidFill>
+                <a:latin typeface="Noto Sans"/>
+              </a:rPr>
+              <a:t>해당 과제에서는 </a:t>
+            </a:r>
+            <a:r>
+              <a:rPr lang="en-US" altLang="ko-KR" sz="2000" dirty="0">
+                <a:solidFill>
+                  <a:srgbClr val="000000"/>
+                </a:solidFill>
+                <a:latin typeface="Noto Sans"/>
+              </a:rPr>
+              <a:t>3x3 filter</a:t>
+            </a:r>
+            <a:r>
+              <a:rPr lang="ko-KR" altLang="en-US" sz="2000" dirty="0">
+                <a:solidFill>
+                  <a:srgbClr val="000000"/>
+                </a:solidFill>
+                <a:latin typeface="Noto Sans"/>
+              </a:rPr>
+              <a:t>를 사용한다</a:t>
+            </a:r>
+            <a:endParaRPr lang="en-US" altLang="ko-KR" sz="2000" b="0" i="0" dirty="0">
+              <a:solidFill>
+                <a:srgbClr val="000000"/>
+              </a:solidFill>
+              <a:effectLst/>
+              <a:latin typeface="Noto Sans"/>
+            </a:endParaRPr>
+          </a:p>
+        </p:txBody>
+      </p:sp>
+      <p:pic>
+        <p:nvPicPr>
+          <p:cNvPr id="4" name="그림 3">
+            <a:extLst>
+              <a:ext uri="{FF2B5EF4-FFF2-40B4-BE49-F238E27FC236}">
+                <a16:creationId xmlns:a16="http://schemas.microsoft.com/office/drawing/2014/main" id="{9EC571C5-2389-4F1A-A933-DA7891288E9C}"/>
+              </a:ext>
+            </a:extLst>
+          </p:cNvPr>
+          <p:cNvPicPr>
+            <a:picLocks noChangeAspect="1"/>
+          </p:cNvPicPr>
+          <p:nvPr/>
+        </p:nvPicPr>
+        <p:blipFill>
+          <a:blip r:embed="rId2"/>
+          <a:stretch>
+            <a:fillRect/>
+          </a:stretch>
+        </p:blipFill>
+        <p:spPr>
+          <a:xfrm>
+            <a:off x="2462212" y="2970287"/>
+            <a:ext cx="7267575" cy="3209925"/>
+          </a:xfrm>
+          <a:prstGeom prst="rect">
+            <a:avLst/>
+          </a:prstGeom>
+        </p:spPr>
+      </p:pic>
     </p:spTree>
     <p:extLst>
       <p:ext uri="{BB962C8B-B14F-4D97-AF65-F5344CB8AC3E}">
-        <p14:creationId xmlns:p14="http://schemas.microsoft.com/office/powerpoint/2010/main" val="146771767"/>
+        <p14:creationId xmlns:p14="http://schemas.microsoft.com/office/powerpoint/2010/main" val="105939517"/>
       </p:ext>
     </p:extLst>
   </p:cSld>
@@ -3690,7 +4730,7 @@
           <p:cNvPr id="2" name="제목 1">
             <a:extLst>
               <a:ext uri="{FF2B5EF4-FFF2-40B4-BE49-F238E27FC236}">
-                <a16:creationId xmlns:a16="http://schemas.microsoft.com/office/drawing/2014/main" id="{0E46A305-4707-4A95-98ED-B07749F0CB3F}"/>
+                <a16:creationId xmlns:a16="http://schemas.microsoft.com/office/drawing/2014/main" id="{1D2CE3B0-EDF8-4264-A8D7-094200ACDEA7}"/>
               </a:ext>
             </a:extLst>
           </p:cNvPr>
@@ -3703,7 +4743,7 @@
         </p:nvSpPr>
         <p:spPr>
           <a:xfrm>
-            <a:off x="838200" y="0"/>
+            <a:off x="838200" y="15971"/>
             <a:ext cx="10515600" cy="1325563"/>
           </a:xfrm>
         </p:spPr>
@@ -3712,8 +4752,8 @@
           <a:lstStyle/>
           <a:p>
             <a:r>
-              <a:rPr lang="en-US" altLang="ko-KR"/>
-              <a:t>Problem</a:t>
+              <a:rPr lang="en-US" altLang="ko-KR" dirty="0"/>
+              <a:t>Mean Filter - Horizontal</a:t>
             </a:r>
             <a:endParaRPr lang="ko-KR" altLang="en-US" dirty="0"/>
           </a:p>
@@ -3721,10 +4761,10 @@
       </p:sp>
       <p:sp>
         <p:nvSpPr>
-          <p:cNvPr id="4" name="내용 개체 틀 4">
-            <a:extLst>
-              <a:ext uri="{FF2B5EF4-FFF2-40B4-BE49-F238E27FC236}">
-                <a16:creationId xmlns:a16="http://schemas.microsoft.com/office/drawing/2014/main" id="{0A509DF6-D883-4510-B945-553DD724B70D}"/>
+          <p:cNvPr id="5" name="내용 개체 틀 4">
+            <a:extLst>
+              <a:ext uri="{FF2B5EF4-FFF2-40B4-BE49-F238E27FC236}">
+                <a16:creationId xmlns:a16="http://schemas.microsoft.com/office/drawing/2014/main" id="{7A46B86B-3DBF-437B-B7F2-4EFB219620C9}"/>
               </a:ext>
             </a:extLst>
           </p:cNvPr>
@@ -3737,8 +4777,8 @@
         </p:nvSpPr>
         <p:spPr>
           <a:xfrm>
-            <a:off x="838200" y="1153610"/>
-            <a:ext cx="10515600" cy="2117735"/>
+            <a:off x="838200" y="1341534"/>
+            <a:ext cx="10515600" cy="1430066"/>
           </a:xfrm>
         </p:spPr>
         <p:txBody>
@@ -3748,222 +4788,217 @@
           <a:lstStyle/>
           <a:p>
             <a:r>
-              <a:rPr lang="en-US" altLang="ko-KR" sz="1400">
-                <a:solidFill>
-                  <a:srgbClr val="000000"/>
-                </a:solidFill>
-                <a:latin typeface="Noto Sans"/>
-              </a:rPr>
-              <a:t>Mean</a:t>
-            </a:r>
-            <a:r>
-              <a:rPr lang="ko-KR" altLang="en-US" sz="1400">
-                <a:solidFill>
-                  <a:srgbClr val="000000"/>
-                </a:solidFill>
-                <a:latin typeface="Noto Sans"/>
-              </a:rPr>
-              <a:t> </a:t>
-            </a:r>
-            <a:r>
-              <a:rPr lang="en-US" altLang="ko-KR" sz="1400">
-                <a:solidFill>
-                  <a:srgbClr val="000000"/>
-                </a:solidFill>
-                <a:latin typeface="Noto Sans"/>
-              </a:rPr>
-              <a:t>Filter</a:t>
-            </a:r>
-            <a:r>
-              <a:rPr lang="ko-KR" altLang="en-US" sz="1400">
-                <a:solidFill>
-                  <a:srgbClr val="000000"/>
-                </a:solidFill>
-                <a:latin typeface="Noto Sans"/>
-              </a:rPr>
-              <a:t>의 </a:t>
-            </a:r>
-            <a:r>
-              <a:rPr lang="en-US" altLang="ko-KR" sz="1400">
-                <a:solidFill>
-                  <a:srgbClr val="000000"/>
-                </a:solidFill>
-                <a:latin typeface="Noto Sans"/>
-              </a:rPr>
-              <a:t>Edge</a:t>
-            </a:r>
-            <a:r>
-              <a:rPr lang="ko-KR" altLang="en-US" sz="1400">
-                <a:solidFill>
-                  <a:srgbClr val="000000"/>
-                </a:solidFill>
-                <a:latin typeface="Noto Sans"/>
-              </a:rPr>
-              <a:t>를 제외한 일반적인 </a:t>
-            </a:r>
-            <a:r>
-              <a:rPr lang="en-US" altLang="ko-KR" sz="1400">
-                <a:solidFill>
-                  <a:srgbClr val="000000"/>
-                </a:solidFill>
-                <a:latin typeface="Noto Sans"/>
-              </a:rPr>
-              <a:t>pixel</a:t>
-            </a:r>
-            <a:r>
-              <a:rPr lang="ko-KR" altLang="en-US" sz="1400">
-                <a:solidFill>
-                  <a:srgbClr val="000000"/>
-                </a:solidFill>
-                <a:latin typeface="Noto Sans"/>
-              </a:rPr>
-              <a:t>의 계산</a:t>
-            </a:r>
-            <a:endParaRPr lang="en-US" altLang="ko-KR" sz="1400">
-              <a:solidFill>
-                <a:srgbClr val="000000"/>
-              </a:solidFill>
-              <a:latin typeface="Noto Sans"/>
-            </a:endParaRPr>
-          </a:p>
-          <a:p>
-            <a:r>
-              <a:rPr lang="en-US" altLang="ko-KR" sz="1400" b="0" i="0">
+              <a:rPr lang="en-US" altLang="ko-KR" sz="2000" b="0" i="0" dirty="0">
                 <a:solidFill>
                   <a:srgbClr val="000000"/>
                 </a:solidFill>
                 <a:effectLst/>
                 <a:latin typeface="Noto Sans"/>
               </a:rPr>
-              <a:t>Horizontal, Vertical part</a:t>
-            </a:r>
-            <a:r>
-              <a:rPr lang="ko-KR" altLang="en-US" sz="1400" b="0" i="0">
+              <a:t>SSE</a:t>
+            </a:r>
+            <a:r>
+              <a:rPr lang="ko-KR" altLang="en-US" sz="2000" b="0" i="0" dirty="0">
                 <a:solidFill>
                   <a:srgbClr val="000000"/>
                 </a:solidFill>
                 <a:effectLst/>
                 <a:latin typeface="Noto Sans"/>
               </a:rPr>
-              <a:t>를 나눠 한번에 </a:t>
-            </a:r>
-            <a:r>
-              <a:rPr lang="en-US" altLang="ko-KR" sz="1400" b="0" i="0">
+              <a:t>를 이용하여 </a:t>
+            </a:r>
+            <a:r>
+              <a:rPr lang="en-US" altLang="ko-KR" sz="2000" b="0" i="0" dirty="0">
                 <a:solidFill>
                   <a:srgbClr val="000000"/>
                 </a:solidFill>
                 <a:effectLst/>
                 <a:latin typeface="Noto Sans"/>
               </a:rPr>
-              <a:t>9</a:t>
-            </a:r>
-            <a:r>
-              <a:rPr lang="ko-KR" altLang="en-US" sz="1400" b="0" i="0">
+              <a:t>Horizontal </a:t>
+            </a:r>
+            <a:r>
+              <a:rPr lang="ko-KR" altLang="en-US" sz="2000" b="0" i="0" dirty="0">
                 <a:solidFill>
                   <a:srgbClr val="000000"/>
                 </a:solidFill>
                 <a:effectLst/>
                 <a:latin typeface="Noto Sans"/>
               </a:rPr>
-              <a:t>개의 덧셈을 진행하지 않고 </a:t>
-            </a:r>
-            <a:r>
-              <a:rPr lang="ko-KR" altLang="en-US" sz="1400">
-                <a:solidFill>
-                  <a:srgbClr val="000000"/>
-                </a:solidFill>
-                <a:latin typeface="Noto Sans"/>
-              </a:rPr>
-              <a:t>각 파트마다 </a:t>
-            </a:r>
-            <a:r>
-              <a:rPr lang="en-US" altLang="ko-KR" sz="1400">
-                <a:solidFill>
-                  <a:srgbClr val="000000"/>
-                </a:solidFill>
+              <a:t>원소를 더한다</a:t>
+            </a:r>
+            <a:r>
+              <a:rPr lang="en-US" altLang="ko-KR" sz="2000" b="0" i="0" dirty="0">
+                <a:solidFill>
+                  <a:srgbClr val="000000"/>
+                </a:solidFill>
+                <a:effectLst/>
+                <a:latin typeface="Noto Sans"/>
+              </a:rPr>
+              <a:t>.</a:t>
+            </a:r>
+          </a:p>
+          <a:p>
+            <a:r>
+              <a:rPr lang="ko-KR" altLang="en-US" sz="2000" b="0" i="0" dirty="0">
+                <a:solidFill>
+                  <a:srgbClr val="000000"/>
+                </a:solidFill>
+                <a:effectLst/>
+                <a:latin typeface="Noto Sans"/>
+              </a:rPr>
+              <a:t>다음 주소의 값을 복사한 후</a:t>
+            </a:r>
+            <a:r>
+              <a:rPr lang="en-US" altLang="ko-KR" sz="2000" b="0" i="0" dirty="0">
+                <a:solidFill>
+                  <a:srgbClr val="000000"/>
+                </a:solidFill>
+                <a:effectLst/>
+                <a:latin typeface="Noto Sans"/>
+              </a:rPr>
+              <a:t>, Shift</a:t>
+            </a:r>
+            <a:r>
+              <a:rPr lang="ko-KR" altLang="en-US" sz="2000" b="0" i="0" dirty="0">
+                <a:solidFill>
+                  <a:srgbClr val="000000"/>
+                </a:solidFill>
+                <a:effectLst/>
+                <a:latin typeface="Noto Sans"/>
+              </a:rPr>
+              <a:t>를 시켜 </a:t>
+            </a:r>
+            <a:r>
+              <a:rPr lang="en-US" altLang="ko-KR" sz="2000" b="0" i="0" dirty="0">
+                <a:solidFill>
+                  <a:srgbClr val="000000"/>
+                </a:solidFill>
+                <a:effectLst/>
                 <a:latin typeface="Noto Sans"/>
               </a:rPr>
               <a:t>3</a:t>
             </a:r>
             <a:r>
-              <a:rPr lang="ko-KR" altLang="en-US" sz="1400">
-                <a:solidFill>
-                  <a:srgbClr val="000000"/>
-                </a:solidFill>
-                <a:latin typeface="Noto Sans"/>
-              </a:rPr>
-              <a:t>번씩 덧셈을 진행</a:t>
-            </a:r>
-            <a:endParaRPr lang="en-US" altLang="ko-KR" sz="1400">
-              <a:solidFill>
-                <a:srgbClr val="000000"/>
-              </a:solidFill>
-              <a:latin typeface="Noto Sans"/>
-            </a:endParaRPr>
-          </a:p>
-          <a:p>
-            <a:r>
-              <a:rPr lang="ko-KR" altLang="en-US" sz="1400" b="0" i="0">
+              <a:rPr lang="ko-KR" altLang="en-US" sz="2000" b="0" i="0" dirty="0">
                 <a:solidFill>
                   <a:srgbClr val="000000"/>
                 </a:solidFill>
                 <a:effectLst/>
                 <a:latin typeface="Noto Sans"/>
               </a:rPr>
-              <a:t>계산 완료 후 각 픽셀에 </a:t>
-            </a:r>
-            <a:r>
-              <a:rPr lang="en-US" altLang="ko-KR" sz="1400">
-                <a:solidFill>
-                  <a:srgbClr val="000000"/>
-                </a:solidFill>
-                <a:latin typeface="Noto Sans"/>
-              </a:rPr>
-              <a:t>_mm_mul_ps </a:t>
-            </a:r>
-            <a:r>
-              <a:rPr lang="ko-KR" altLang="en-US" sz="1400">
-                <a:solidFill>
-                  <a:srgbClr val="000000"/>
-                </a:solidFill>
-                <a:latin typeface="Noto Sans"/>
-              </a:rPr>
-              <a:t>함수를 통해 </a:t>
-            </a:r>
-            <a:r>
-              <a:rPr lang="en-US" altLang="ko-KR" sz="1400">
-                <a:solidFill>
-                  <a:srgbClr val="000000"/>
-                </a:solidFill>
-                <a:latin typeface="Noto Sans"/>
-              </a:rPr>
-              <a:t>1/9 </a:t>
-            </a:r>
-            <a:r>
-              <a:rPr lang="ko-KR" altLang="en-US" sz="1400">
-                <a:solidFill>
-                  <a:srgbClr val="000000"/>
-                </a:solidFill>
-                <a:latin typeface="Noto Sans"/>
-              </a:rPr>
-              <a:t>곱셈</a:t>
-            </a:r>
-            <a:endParaRPr lang="en-US" altLang="ko-KR" sz="1400" b="0" i="0" dirty="0">
-              <a:solidFill>
-                <a:srgbClr val="000000"/>
-              </a:solidFill>
-              <a:effectLst/>
-              <a:latin typeface="Noto Sans"/>
-            </a:endParaRPr>
+              <a:t>개의 </a:t>
+            </a:r>
+            <a:r>
+              <a:rPr lang="en-US" altLang="ko-KR" sz="2000" b="0" i="0" dirty="0">
+                <a:solidFill>
+                  <a:srgbClr val="000000"/>
+                </a:solidFill>
+                <a:effectLst/>
+                <a:latin typeface="Noto Sans"/>
+              </a:rPr>
+              <a:t>row</a:t>
+            </a:r>
+            <a:r>
+              <a:rPr lang="ko-KR" altLang="en-US" sz="2000" b="0" i="0" dirty="0">
+                <a:solidFill>
+                  <a:srgbClr val="000000"/>
+                </a:solidFill>
+                <a:effectLst/>
+                <a:latin typeface="Noto Sans"/>
+              </a:rPr>
+              <a:t>를 만든다</a:t>
+            </a:r>
+            <a:r>
+              <a:rPr lang="en-US" altLang="ko-KR" sz="2000" dirty="0">
+                <a:solidFill>
+                  <a:srgbClr val="000000"/>
+                </a:solidFill>
+                <a:latin typeface="Noto Sans"/>
+              </a:rPr>
+              <a:t>.</a:t>
+            </a:r>
+          </a:p>
+          <a:p>
+            <a:r>
+              <a:rPr lang="en-US" altLang="ko-KR" sz="2000" b="0" i="0" dirty="0" err="1">
+                <a:solidFill>
+                  <a:srgbClr val="000000"/>
+                </a:solidFill>
+                <a:effectLst/>
+                <a:latin typeface="Noto Sans"/>
+              </a:rPr>
+              <a:t>Uchar</a:t>
+            </a:r>
+            <a:r>
+              <a:rPr lang="ko-KR" altLang="en-US" sz="2000" b="0" i="0" dirty="0">
+                <a:solidFill>
+                  <a:srgbClr val="000000"/>
+                </a:solidFill>
+                <a:effectLst/>
+                <a:latin typeface="Noto Sans"/>
+              </a:rPr>
+              <a:t>의 값으로는 덧셈이 효과적으로 출력되지 않으므로</a:t>
+            </a:r>
+            <a:r>
+              <a:rPr lang="en-US" altLang="ko-KR" sz="2000" b="0" i="0" dirty="0">
+                <a:solidFill>
+                  <a:srgbClr val="000000"/>
+                </a:solidFill>
+                <a:effectLst/>
+                <a:latin typeface="Noto Sans"/>
+              </a:rPr>
+              <a:t>, 16bit</a:t>
+            </a:r>
+            <a:r>
+              <a:rPr lang="ko-KR" altLang="en-US" sz="2000" b="0" i="0" dirty="0">
+                <a:solidFill>
+                  <a:srgbClr val="000000"/>
+                </a:solidFill>
+                <a:effectLst/>
+                <a:latin typeface="Noto Sans"/>
+              </a:rPr>
+              <a:t> 두개로 해당 </a:t>
+            </a:r>
+            <a:r>
+              <a:rPr lang="en-US" altLang="ko-KR" sz="2000" b="0" i="0" dirty="0">
+                <a:solidFill>
+                  <a:srgbClr val="000000"/>
+                </a:solidFill>
+                <a:effectLst/>
+                <a:latin typeface="Noto Sans"/>
+              </a:rPr>
+              <a:t>sum</a:t>
+            </a:r>
+            <a:r>
+              <a:rPr lang="ko-KR" altLang="en-US" sz="2000" b="0" i="0" dirty="0">
+                <a:solidFill>
+                  <a:srgbClr val="000000"/>
+                </a:solidFill>
+                <a:effectLst/>
+                <a:latin typeface="Noto Sans"/>
+              </a:rPr>
+              <a:t>을 나눈다</a:t>
+            </a:r>
+            <a:r>
+              <a:rPr lang="en-US" altLang="ko-KR" sz="2000" b="0" i="0" dirty="0">
+                <a:solidFill>
+                  <a:srgbClr val="000000"/>
+                </a:solidFill>
+                <a:effectLst/>
+                <a:latin typeface="Noto Sans"/>
+              </a:rPr>
+              <a:t>.</a:t>
+            </a:r>
           </a:p>
         </p:txBody>
       </p:sp>
       <p:pic>
         <p:nvPicPr>
-          <p:cNvPr id="9" name="그림 8">
-            <a:extLst>
-              <a:ext uri="{FF2B5EF4-FFF2-40B4-BE49-F238E27FC236}">
-                <a16:creationId xmlns:a16="http://schemas.microsoft.com/office/drawing/2014/main" id="{5B1C1864-AC04-421A-A61E-0F7EBB69D225}"/>
+          <p:cNvPr id="6" name="그림 5">
+            <a:extLst>
+              <a:ext uri="{FF2B5EF4-FFF2-40B4-BE49-F238E27FC236}">
+                <a16:creationId xmlns:a16="http://schemas.microsoft.com/office/drawing/2014/main" id="{D80E0244-7212-461C-9767-451D7C63B74F}"/>
               </a:ext>
             </a:extLst>
           </p:cNvPr>
@@ -3980,38 +5015,8 @@
         </p:blipFill>
         <p:spPr>
           <a:xfrm>
-            <a:off x="34834" y="2916436"/>
-            <a:ext cx="6161314" cy="2652511"/>
-          </a:xfrm>
-          <a:prstGeom prst="rect">
-            <a:avLst/>
-          </a:prstGeom>
-        </p:spPr>
-      </p:pic>
-      <p:pic>
-        <p:nvPicPr>
-          <p:cNvPr id="12" name="그림 11">
-            <a:extLst>
-              <a:ext uri="{FF2B5EF4-FFF2-40B4-BE49-F238E27FC236}">
-                <a16:creationId xmlns:a16="http://schemas.microsoft.com/office/drawing/2014/main" id="{754BC28A-2733-4E9E-B62B-F4A71A5BC3A0}"/>
-              </a:ext>
-            </a:extLst>
-          </p:cNvPr>
-          <p:cNvPicPr>
-            <a:picLocks noChangeAspect="1"/>
-          </p:cNvPicPr>
-          <p:nvPr/>
-        </p:nvPicPr>
-        <p:blipFill>
-          <a:blip r:embed="rId3"/>
-          <a:stretch>
-            <a:fillRect/>
-          </a:stretch>
-        </p:blipFill>
-        <p:spPr>
-          <a:xfrm>
-            <a:off x="6247052" y="2916436"/>
-            <a:ext cx="5910114" cy="2652511"/>
+            <a:off x="2833893" y="2771600"/>
+            <a:ext cx="6524213" cy="4003669"/>
           </a:xfrm>
           <a:prstGeom prst="rect">
             <a:avLst/>
@@ -4021,7 +5026,7 @@
     </p:spTree>
     <p:extLst>
       <p:ext uri="{BB962C8B-B14F-4D97-AF65-F5344CB8AC3E}">
-        <p14:creationId xmlns:p14="http://schemas.microsoft.com/office/powerpoint/2010/main" val="4181975211"/>
+        <p14:creationId xmlns:p14="http://schemas.microsoft.com/office/powerpoint/2010/main" val="2708748349"/>
       </p:ext>
     </p:extLst>
   </p:cSld>
@@ -4053,7 +5058,7 @@
           <p:cNvPr id="2" name="제목 1">
             <a:extLst>
               <a:ext uri="{FF2B5EF4-FFF2-40B4-BE49-F238E27FC236}">
-                <a16:creationId xmlns:a16="http://schemas.microsoft.com/office/drawing/2014/main" id="{0E46A305-4707-4A95-98ED-B07749F0CB3F}"/>
+                <a16:creationId xmlns:a16="http://schemas.microsoft.com/office/drawing/2014/main" id="{1D2CE3B0-EDF8-4264-A8D7-094200ACDEA7}"/>
               </a:ext>
             </a:extLst>
           </p:cNvPr>
@@ -4075,8 +5080,8 @@
           <a:lstStyle/>
           <a:p>
             <a:r>
-              <a:rPr lang="en-US" altLang="ko-KR"/>
-              <a:t>Problem</a:t>
+              <a:rPr lang="en-US" altLang="ko-KR" dirty="0"/>
+              <a:t>Mean Filter - Vertical</a:t>
             </a:r>
             <a:endParaRPr lang="ko-KR" altLang="en-US" dirty="0"/>
           </a:p>
@@ -4084,10 +5089,10 @@
       </p:sp>
       <p:sp>
         <p:nvSpPr>
-          <p:cNvPr id="4" name="내용 개체 틀 4">
-            <a:extLst>
-              <a:ext uri="{FF2B5EF4-FFF2-40B4-BE49-F238E27FC236}">
-                <a16:creationId xmlns:a16="http://schemas.microsoft.com/office/drawing/2014/main" id="{0A509DF6-D883-4510-B945-553DD724B70D}"/>
+          <p:cNvPr id="5" name="내용 개체 틀 4">
+            <a:extLst>
+              <a:ext uri="{FF2B5EF4-FFF2-40B4-BE49-F238E27FC236}">
+                <a16:creationId xmlns:a16="http://schemas.microsoft.com/office/drawing/2014/main" id="{7A46B86B-3DBF-437B-B7F2-4EFB219620C9}"/>
               </a:ext>
             </a:extLst>
           </p:cNvPr>
@@ -4100,45 +5105,37 @@
         </p:nvSpPr>
         <p:spPr>
           <a:xfrm>
-            <a:off x="838200" y="1153610"/>
-            <a:ext cx="10515600" cy="2117735"/>
+            <a:off x="838200" y="1325563"/>
+            <a:ext cx="10515600" cy="1252809"/>
           </a:xfrm>
         </p:spPr>
         <p:txBody>
           <a:bodyPr>
-            <a:normAutofit/>
+            <a:noAutofit/>
           </a:bodyPr>
           <a:lstStyle/>
           <a:p>
             <a:r>
-              <a:rPr lang="en-US" altLang="ko-KR" sz="1400">
-                <a:solidFill>
-                  <a:srgbClr val="000000"/>
-                </a:solidFill>
-                <a:latin typeface="Noto Sans"/>
-              </a:rPr>
-              <a:t>Mean</a:t>
-            </a:r>
-            <a:r>
-              <a:rPr lang="ko-KR" altLang="en-US" sz="1400">
-                <a:solidFill>
-                  <a:srgbClr val="000000"/>
-                </a:solidFill>
-                <a:latin typeface="Noto Sans"/>
-              </a:rPr>
-              <a:t> </a:t>
-            </a:r>
-            <a:r>
-              <a:rPr lang="en-US" altLang="ko-KR" sz="1400">
-                <a:solidFill>
-                  <a:srgbClr val="000000"/>
-                </a:solidFill>
-                <a:latin typeface="Noto Sans"/>
-              </a:rPr>
-              <a:t>Filter</a:t>
-            </a:r>
-            <a:r>
-              <a:rPr lang="ko-KR" altLang="en-US" sz="1400">
+              <a:rPr lang="ko-KR" altLang="en-US" sz="2000" b="0" i="0" dirty="0">
+                <a:solidFill>
+                  <a:srgbClr val="000000"/>
+                </a:solidFill>
+                <a:effectLst/>
+                <a:latin typeface="Noto Sans"/>
+              </a:rPr>
+              <a:t>앞서 구한 </a:t>
+            </a:r>
+            <a:r>
+              <a:rPr lang="en-US" altLang="ko-KR" sz="2000" dirty="0">
+                <a:solidFill>
+                  <a:srgbClr val="000000"/>
+                </a:solidFill>
+                <a:latin typeface="Noto Sans"/>
+              </a:rPr>
+              <a:t>Row</a:t>
+            </a:r>
+            <a:r>
+              <a:rPr lang="ko-KR" altLang="en-US" sz="2000" dirty="0">
                 <a:solidFill>
                   <a:srgbClr val="000000"/>
                 </a:solidFill>
@@ -4147,227 +5144,235 @@
               <a:t>의 </a:t>
             </a:r>
             <a:r>
-              <a:rPr lang="en-US" altLang="ko-KR" sz="1400">
-                <a:solidFill>
-                  <a:srgbClr val="000000"/>
-                </a:solidFill>
-                <a:latin typeface="Noto Sans"/>
-              </a:rPr>
-              <a:t>Corner</a:t>
-            </a:r>
-            <a:r>
-              <a:rPr lang="ko-KR" altLang="en-US" sz="1400">
-                <a:solidFill>
-                  <a:srgbClr val="000000"/>
-                </a:solidFill>
-                <a:latin typeface="Noto Sans"/>
-              </a:rPr>
-              <a:t>를 제외한 일반적인 </a:t>
-            </a:r>
-            <a:r>
-              <a:rPr lang="en-US" altLang="ko-KR" sz="1400">
-                <a:solidFill>
-                  <a:srgbClr val="000000"/>
-                </a:solidFill>
-                <a:latin typeface="Noto Sans"/>
-              </a:rPr>
-              <a:t>pixel</a:t>
-            </a:r>
-            <a:r>
-              <a:rPr lang="ko-KR" altLang="en-US" sz="1400">
-                <a:solidFill>
-                  <a:srgbClr val="000000"/>
-                </a:solidFill>
-                <a:latin typeface="Noto Sans"/>
-              </a:rPr>
-              <a:t>의 계산</a:t>
-            </a:r>
-            <a:endParaRPr lang="en-US" altLang="ko-KR" sz="1400">
-              <a:solidFill>
-                <a:srgbClr val="000000"/>
-              </a:solidFill>
-              <a:latin typeface="Noto Sans"/>
-            </a:endParaRPr>
-          </a:p>
-          <a:p>
-            <a:r>
-              <a:rPr lang="en-US" altLang="ko-KR" sz="1400">
-                <a:solidFill>
-                  <a:srgbClr val="000000"/>
-                </a:solidFill>
-                <a:latin typeface="Noto Sans"/>
-              </a:rPr>
-              <a:t>Column, Row </a:t>
-            </a:r>
-            <a:r>
-              <a:rPr lang="ko-KR" altLang="en-US" sz="1400">
-                <a:solidFill>
-                  <a:srgbClr val="000000"/>
-                </a:solidFill>
-                <a:latin typeface="Noto Sans"/>
-              </a:rPr>
-              <a:t>여부에 따라 </a:t>
-            </a:r>
-            <a:r>
-              <a:rPr lang="en-US" altLang="ko-KR" sz="1400">
-                <a:solidFill>
-                  <a:srgbClr val="000000"/>
-                </a:solidFill>
-                <a:latin typeface="Noto Sans"/>
-              </a:rPr>
-              <a:t>Horizon</a:t>
-            </a:r>
-            <a:r>
-              <a:rPr lang="ko-KR" altLang="en-US" sz="1400">
-                <a:solidFill>
-                  <a:srgbClr val="000000"/>
-                </a:solidFill>
-                <a:latin typeface="Noto Sans"/>
-              </a:rPr>
-              <a:t>과 </a:t>
-            </a:r>
-            <a:r>
-              <a:rPr lang="en-US" altLang="ko-KR" sz="1400">
-                <a:solidFill>
-                  <a:srgbClr val="000000"/>
-                </a:solidFill>
-                <a:latin typeface="Noto Sans"/>
-              </a:rPr>
-              <a:t>Vertical </a:t>
-            </a:r>
-            <a:r>
-              <a:rPr lang="ko-KR" altLang="en-US" sz="1400">
-                <a:solidFill>
-                  <a:srgbClr val="000000"/>
-                </a:solidFill>
-                <a:latin typeface="Noto Sans"/>
-              </a:rPr>
-              <a:t>의 순서를 변경하여 위 슬라이드와 유사하게 덧셈 진행</a:t>
-            </a:r>
-            <a:endParaRPr lang="en-US" altLang="ko-KR" sz="1400">
-              <a:solidFill>
-                <a:srgbClr val="000000"/>
-              </a:solidFill>
-              <a:latin typeface="Noto Sans"/>
-            </a:endParaRPr>
-          </a:p>
-          <a:p>
-            <a:r>
-              <a:rPr lang="ko-KR" altLang="en-US" sz="1400" b="0" i="0">
-                <a:solidFill>
-                  <a:srgbClr val="000000"/>
-                </a:solidFill>
-                <a:effectLst/>
-                <a:latin typeface="Noto Sans"/>
-              </a:rPr>
-              <a:t>계산 완료 후 각 픽셀에 </a:t>
-            </a:r>
-            <a:r>
-              <a:rPr lang="en-US" altLang="ko-KR" sz="1400">
-                <a:solidFill>
-                  <a:srgbClr val="000000"/>
-                </a:solidFill>
-                <a:latin typeface="Noto Sans"/>
-              </a:rPr>
-              <a:t>_mm_mul_ps </a:t>
-            </a:r>
-            <a:r>
-              <a:rPr lang="ko-KR" altLang="en-US" sz="1400">
-                <a:solidFill>
-                  <a:srgbClr val="000000"/>
-                </a:solidFill>
-                <a:latin typeface="Noto Sans"/>
-              </a:rPr>
-              <a:t>함수를 통해 </a:t>
-            </a:r>
-            <a:r>
-              <a:rPr lang="en-US" altLang="ko-KR" sz="1400">
-                <a:solidFill>
-                  <a:srgbClr val="000000"/>
-                </a:solidFill>
-                <a:latin typeface="Noto Sans"/>
-              </a:rPr>
-              <a:t>1/6 </a:t>
-            </a:r>
-            <a:r>
-              <a:rPr lang="ko-KR" altLang="en-US" sz="1400">
-                <a:solidFill>
-                  <a:srgbClr val="000000"/>
-                </a:solidFill>
-                <a:latin typeface="Noto Sans"/>
-              </a:rPr>
-              <a:t>곱셈</a:t>
-            </a:r>
-            <a:endParaRPr lang="en-US" altLang="ko-KR" sz="1400">
-              <a:solidFill>
-                <a:srgbClr val="000000"/>
-              </a:solidFill>
-              <a:latin typeface="Noto Sans"/>
-            </a:endParaRPr>
-          </a:p>
-          <a:p>
-            <a:r>
-              <a:rPr lang="en-US" altLang="ko-KR" sz="1400" b="0" i="0">
-                <a:solidFill>
-                  <a:srgbClr val="000000"/>
-                </a:solidFill>
-                <a:effectLst/>
-                <a:latin typeface="Noto Sans"/>
-              </a:rPr>
-              <a:t>Corner </a:t>
-            </a:r>
-            <a:r>
-              <a:rPr lang="en-US" altLang="ko-KR" sz="1400">
-                <a:solidFill>
-                  <a:srgbClr val="000000"/>
-                </a:solidFill>
-                <a:latin typeface="Noto Sans"/>
-              </a:rPr>
-              <a:t>part</a:t>
-            </a:r>
-            <a:r>
-              <a:rPr lang="ko-KR" altLang="en-US" sz="1400">
-                <a:solidFill>
-                  <a:srgbClr val="000000"/>
-                </a:solidFill>
-                <a:latin typeface="Noto Sans"/>
-              </a:rPr>
-              <a:t>는 </a:t>
-            </a:r>
-            <a:r>
-              <a:rPr lang="en-US" altLang="ko-KR" sz="1400">
-                <a:solidFill>
-                  <a:srgbClr val="000000"/>
-                </a:solidFill>
-                <a:latin typeface="Noto Sans"/>
-              </a:rPr>
-              <a:t>4</a:t>
-            </a:r>
-            <a:r>
-              <a:rPr lang="ko-KR" altLang="en-US" sz="1400">
-                <a:solidFill>
-                  <a:srgbClr val="000000"/>
-                </a:solidFill>
-                <a:latin typeface="Noto Sans"/>
-              </a:rPr>
-              <a:t>개의 픽셀만 있으므로 일반 함수를 통해 계산</a:t>
-            </a:r>
-            <a:endParaRPr lang="en-US" altLang="ko-KR" sz="1400" b="0" i="0" dirty="0">
-              <a:solidFill>
-                <a:srgbClr val="000000"/>
-              </a:solidFill>
-              <a:effectLst/>
-              <a:latin typeface="Noto Sans"/>
-            </a:endParaRPr>
+              <a:rPr lang="en-US" altLang="ko-KR" sz="2000" dirty="0">
+                <a:solidFill>
+                  <a:srgbClr val="000000"/>
+                </a:solidFill>
+                <a:latin typeface="Noto Sans"/>
+              </a:rPr>
+              <a:t>Sum</a:t>
+            </a:r>
+            <a:r>
+              <a:rPr lang="ko-KR" altLang="en-US" sz="2000" dirty="0">
+                <a:solidFill>
+                  <a:srgbClr val="000000"/>
+                </a:solidFill>
+                <a:latin typeface="Noto Sans"/>
+              </a:rPr>
+              <a:t>을 모두 더해 </a:t>
+            </a:r>
+            <a:r>
+              <a:rPr lang="en-US" altLang="ko-KR" sz="2000" dirty="0">
+                <a:solidFill>
+                  <a:srgbClr val="000000"/>
+                </a:solidFill>
+                <a:latin typeface="Noto Sans"/>
+              </a:rPr>
+              <a:t>vertical sum</a:t>
+            </a:r>
+            <a:r>
+              <a:rPr lang="ko-KR" altLang="en-US" sz="2000" dirty="0">
+                <a:solidFill>
+                  <a:srgbClr val="000000"/>
+                </a:solidFill>
+                <a:latin typeface="Noto Sans"/>
+              </a:rPr>
+              <a:t>을 만든다</a:t>
+            </a:r>
+            <a:r>
+              <a:rPr lang="en-US" altLang="ko-KR" sz="2000" dirty="0">
+                <a:solidFill>
+                  <a:srgbClr val="000000"/>
+                </a:solidFill>
+                <a:latin typeface="Noto Sans"/>
+              </a:rPr>
+              <a:t>.</a:t>
+            </a:r>
+          </a:p>
+          <a:p>
+            <a:r>
+              <a:rPr lang="en-US" altLang="ko-KR" sz="2000" dirty="0">
+                <a:solidFill>
+                  <a:srgbClr val="000000"/>
+                </a:solidFill>
+                <a:latin typeface="Noto Sans"/>
+              </a:rPr>
+              <a:t>3 x 3 filter</a:t>
+            </a:r>
+            <a:r>
+              <a:rPr lang="ko-KR" altLang="en-US" sz="2000" dirty="0">
+                <a:solidFill>
+                  <a:srgbClr val="000000"/>
+                </a:solidFill>
+                <a:latin typeface="Noto Sans"/>
+              </a:rPr>
+              <a:t>에서는 </a:t>
+            </a:r>
+            <a:r>
+              <a:rPr lang="en-US" altLang="ko-KR" sz="2000" dirty="0">
+                <a:solidFill>
+                  <a:srgbClr val="000000"/>
+                </a:solidFill>
+                <a:latin typeface="Noto Sans"/>
+              </a:rPr>
+              <a:t>row sum </a:t>
+            </a:r>
+            <a:r>
+              <a:rPr lang="ko-KR" altLang="en-US" sz="2000" dirty="0">
+                <a:solidFill>
+                  <a:srgbClr val="000000"/>
+                </a:solidFill>
+                <a:latin typeface="Noto Sans"/>
+              </a:rPr>
+              <a:t>총 </a:t>
+            </a:r>
+            <a:r>
+              <a:rPr lang="en-US" altLang="ko-KR" sz="2000" dirty="0">
+                <a:solidFill>
+                  <a:srgbClr val="000000"/>
+                </a:solidFill>
+                <a:latin typeface="Noto Sans"/>
+              </a:rPr>
+              <a:t>3</a:t>
+            </a:r>
+            <a:r>
+              <a:rPr lang="ko-KR" altLang="en-US" sz="2000" dirty="0">
+                <a:solidFill>
+                  <a:srgbClr val="000000"/>
+                </a:solidFill>
+                <a:latin typeface="Noto Sans"/>
+              </a:rPr>
+              <a:t>개</a:t>
+            </a:r>
+            <a:r>
+              <a:rPr lang="en-US" altLang="ko-KR" sz="2000" dirty="0">
+                <a:solidFill>
+                  <a:srgbClr val="000000"/>
+                </a:solidFill>
+                <a:latin typeface="Noto Sans"/>
+              </a:rPr>
+              <a:t>, 3</a:t>
+            </a:r>
+            <a:r>
+              <a:rPr lang="ko-KR" altLang="en-US" sz="2000" dirty="0">
+                <a:solidFill>
+                  <a:srgbClr val="000000"/>
+                </a:solidFill>
+                <a:latin typeface="Noto Sans"/>
+              </a:rPr>
+              <a:t>개가 더해서 </a:t>
+            </a:r>
+            <a:r>
+              <a:rPr lang="en-US" altLang="ko-KR" sz="2000" dirty="0">
+                <a:solidFill>
+                  <a:srgbClr val="000000"/>
+                </a:solidFill>
+                <a:latin typeface="Noto Sans"/>
+              </a:rPr>
+              <a:t>2</a:t>
+            </a:r>
+            <a:r>
+              <a:rPr lang="ko-KR" altLang="en-US" sz="2000" dirty="0">
+                <a:solidFill>
+                  <a:srgbClr val="000000"/>
+                </a:solidFill>
+                <a:latin typeface="Noto Sans"/>
+              </a:rPr>
+              <a:t>개의 </a:t>
+            </a:r>
+            <a:r>
+              <a:rPr lang="en-US" altLang="ko-KR" sz="2000" dirty="0">
+                <a:solidFill>
+                  <a:srgbClr val="000000"/>
+                </a:solidFill>
+                <a:latin typeface="Noto Sans"/>
+              </a:rPr>
+              <a:t>vertical sum</a:t>
+            </a:r>
+            <a:r>
+              <a:rPr lang="ko-KR" altLang="en-US" sz="2000" dirty="0">
+                <a:solidFill>
+                  <a:srgbClr val="000000"/>
+                </a:solidFill>
+                <a:latin typeface="Noto Sans"/>
+              </a:rPr>
+              <a:t>을 생성한다</a:t>
+            </a:r>
+            <a:r>
+              <a:rPr lang="en-US" altLang="ko-KR" sz="2000" dirty="0">
+                <a:solidFill>
+                  <a:srgbClr val="000000"/>
+                </a:solidFill>
+                <a:latin typeface="Noto Sans"/>
+              </a:rPr>
+              <a:t>.</a:t>
+            </a:r>
+          </a:p>
+          <a:p>
+            <a:r>
+              <a:rPr lang="ko-KR" altLang="en-US" sz="2000" dirty="0">
+                <a:solidFill>
+                  <a:srgbClr val="000000"/>
+                </a:solidFill>
+                <a:latin typeface="Noto Sans"/>
+              </a:rPr>
+              <a:t>이후 해당 값은 </a:t>
+            </a:r>
+            <a:r>
+              <a:rPr lang="en-US" altLang="ko-KR" sz="2000" dirty="0">
+                <a:solidFill>
+                  <a:srgbClr val="000000"/>
+                </a:solidFill>
+                <a:latin typeface="Noto Sans"/>
+              </a:rPr>
+              <a:t>9</a:t>
+            </a:r>
+            <a:r>
+              <a:rPr lang="ko-KR" altLang="en-US" sz="2000" dirty="0">
+                <a:solidFill>
+                  <a:srgbClr val="000000"/>
+                </a:solidFill>
+                <a:latin typeface="Noto Sans"/>
+              </a:rPr>
+              <a:t>로 나누어져</a:t>
+            </a:r>
+            <a:r>
+              <a:rPr lang="en-US" altLang="ko-KR" sz="2000" dirty="0">
+                <a:solidFill>
+                  <a:srgbClr val="000000"/>
+                </a:solidFill>
+                <a:latin typeface="Noto Sans"/>
+              </a:rPr>
+              <a:t>, </a:t>
+            </a:r>
+            <a:r>
+              <a:rPr lang="ko-KR" altLang="en-US" sz="2000" dirty="0">
+                <a:solidFill>
+                  <a:srgbClr val="000000"/>
+                </a:solidFill>
+                <a:latin typeface="Noto Sans"/>
+              </a:rPr>
+              <a:t>결과 이미지에 저장된다</a:t>
+            </a:r>
+            <a:r>
+              <a:rPr lang="en-US" altLang="ko-KR" sz="2000" dirty="0">
+                <a:solidFill>
+                  <a:srgbClr val="000000"/>
+                </a:solidFill>
+                <a:latin typeface="Noto Sans"/>
+              </a:rPr>
+              <a:t>.</a:t>
+            </a:r>
+            <a:endParaRPr lang="ko-KR" altLang="en-US" sz="2000" dirty="0"/>
           </a:p>
         </p:txBody>
       </p:sp>
       <p:pic>
         <p:nvPicPr>
-          <p:cNvPr id="7" name="그림 6">
-            <a:extLst>
-              <a:ext uri="{FF2B5EF4-FFF2-40B4-BE49-F238E27FC236}">
-                <a16:creationId xmlns:a16="http://schemas.microsoft.com/office/drawing/2014/main" id="{185FA0BB-16FC-40D4-BDB9-D3B5E79E5897}"/>
+          <p:cNvPr id="4" name="그림 3">
+            <a:extLst>
+              <a:ext uri="{FF2B5EF4-FFF2-40B4-BE49-F238E27FC236}">
+                <a16:creationId xmlns:a16="http://schemas.microsoft.com/office/drawing/2014/main" id="{1670D883-D3F9-4686-8762-90B3C53B3A4E}"/>
               </a:ext>
             </a:extLst>
           </p:cNvPr>
@@ -4376,46 +5381,15 @@
           </p:cNvPicPr>
           <p:nvPr/>
         </p:nvPicPr>
-        <p:blipFill>
+        <p:blipFill rotWithShape="1">
           <a:blip r:embed="rId2"/>
-          <a:stretch>
-            <a:fillRect/>
-          </a:stretch>
+          <a:srcRect r="48332" b="24608"/>
+          <a:stretch/>
         </p:blipFill>
         <p:spPr>
           <a:xfrm>
-            <a:off x="130629" y="3008985"/>
-            <a:ext cx="5869577" cy="2651624"/>
-          </a:xfrm>
-          <a:prstGeom prst="rect">
-            <a:avLst/>
-          </a:prstGeom>
-        </p:spPr>
-      </p:pic>
-      <p:pic>
-        <p:nvPicPr>
-          <p:cNvPr id="13" name="그림 12">
-            <a:extLst>
-              <a:ext uri="{FF2B5EF4-FFF2-40B4-BE49-F238E27FC236}">
-                <a16:creationId xmlns:a16="http://schemas.microsoft.com/office/drawing/2014/main" id="{E588179E-CF60-44CA-A451-60CD445D1C8B}"/>
-              </a:ext>
-            </a:extLst>
-          </p:cNvPr>
-          <p:cNvPicPr>
-            <a:picLocks noChangeAspect="1"/>
-          </p:cNvPicPr>
-          <p:nvPr/>
-        </p:nvPicPr>
-        <p:blipFill>
-          <a:blip r:embed="rId3"/>
-          <a:stretch>
-            <a:fillRect/>
-          </a:stretch>
-        </p:blipFill>
-        <p:spPr>
-          <a:xfrm>
-            <a:off x="6061166" y="3271345"/>
-            <a:ext cx="6097343" cy="2117735"/>
+            <a:off x="3626168" y="2908663"/>
+            <a:ext cx="4316050" cy="3561806"/>
           </a:xfrm>
           <a:prstGeom prst="rect">
             <a:avLst/>
@@ -4425,7 +5399,7 @@
     </p:spTree>
     <p:extLst>
       <p:ext uri="{BB962C8B-B14F-4D97-AF65-F5344CB8AC3E}">
-        <p14:creationId xmlns:p14="http://schemas.microsoft.com/office/powerpoint/2010/main" val="3395332475"/>
+        <p14:creationId xmlns:p14="http://schemas.microsoft.com/office/powerpoint/2010/main" val="2640019744"/>
       </p:ext>
     </p:extLst>
   </p:cSld>
@@ -4457,7 +5431,7 @@
           <p:cNvPr id="2" name="제목 1">
             <a:extLst>
               <a:ext uri="{FF2B5EF4-FFF2-40B4-BE49-F238E27FC236}">
-                <a16:creationId xmlns:a16="http://schemas.microsoft.com/office/drawing/2014/main" id="{5C24A02C-94C1-439F-AC19-4F428DCD8A64}"/>
+                <a16:creationId xmlns:a16="http://schemas.microsoft.com/office/drawing/2014/main" id="{0115E4C1-40BF-4437-A1C5-B1A6B86168EC}"/>
               </a:ext>
             </a:extLst>
           </p:cNvPr>
@@ -4468,36 +5442,12 @@
             <p:ph type="title"/>
           </p:nvPr>
         </p:nvSpPr>
-        <p:spPr/>
-        <p:txBody>
-          <a:bodyPr/>
-          <a:lstStyle/>
-          <a:p>
-            <a:r>
-              <a:rPr lang="en-US" altLang="ko-KR"/>
-              <a:t>Conclusions and discussions</a:t>
-            </a:r>
-            <a:endParaRPr lang="ko-KR" altLang="en-US"/>
-          </a:p>
-        </p:txBody>
-      </p:sp>
-      <p:sp>
-        <p:nvSpPr>
-          <p:cNvPr id="3" name="내용 개체 틀 2">
-            <a:extLst>
-              <a:ext uri="{FF2B5EF4-FFF2-40B4-BE49-F238E27FC236}">
-                <a16:creationId xmlns:a16="http://schemas.microsoft.com/office/drawing/2014/main" id="{005DC1F3-0C54-4736-8EE0-0E1F17E7F776}"/>
-              </a:ext>
-            </a:extLst>
-          </p:cNvPr>
-          <p:cNvSpPr>
-            <a:spLocks noGrp="1"/>
-          </p:cNvSpPr>
-          <p:nvPr>
-            <p:ph idx="1"/>
-          </p:nvPr>
-        </p:nvSpPr>
-        <p:spPr/>
+        <p:spPr>
+          <a:xfrm>
+            <a:off x="838200" y="0"/>
+            <a:ext cx="10515600" cy="800099"/>
+          </a:xfrm>
+        </p:spPr>
         <p:txBody>
           <a:bodyPr>
             <a:normAutofit/>
@@ -4505,249 +5455,1479 @@
           <a:lstStyle/>
           <a:p>
             <a:r>
-              <a:rPr lang="en-US" altLang="ko-KR" sz="1400"/>
-              <a:t>Mean filter </a:t>
-            </a:r>
-            <a:r>
-              <a:rPr lang="ko-KR" altLang="en-US" sz="1400"/>
-              <a:t>진행 시</a:t>
-            </a:r>
-            <a:r>
-              <a:rPr lang="en-US" altLang="ko-KR" sz="1400"/>
-              <a:t>, Horizon</a:t>
-            </a:r>
-            <a:r>
-              <a:rPr lang="ko-KR" altLang="en-US" sz="1400"/>
-              <a:t>과 </a:t>
-            </a:r>
-            <a:r>
-              <a:rPr lang="en-US" altLang="ko-KR" sz="1400"/>
-              <a:t>Vertical part</a:t>
-            </a:r>
-            <a:r>
-              <a:rPr lang="ko-KR" altLang="en-US" sz="1400"/>
-              <a:t>를 나눠 효과적인 병렬연산이 진행될 수 있도록 </a:t>
-            </a:r>
-            <a:r>
-              <a:rPr lang="en-US" altLang="ko-KR" sz="1400"/>
-              <a:t>pseudo</a:t>
-            </a:r>
-            <a:r>
-              <a:rPr lang="ko-KR" altLang="en-US" sz="1400"/>
-              <a:t> </a:t>
-            </a:r>
-            <a:r>
-              <a:rPr lang="en-US" altLang="ko-KR" sz="1400"/>
-              <a:t>code</a:t>
-            </a:r>
-            <a:r>
-              <a:rPr lang="ko-KR" altLang="en-US" sz="1400"/>
-              <a:t>를 작성했다</a:t>
-            </a:r>
-            <a:r>
-              <a:rPr lang="en-US" altLang="ko-KR" sz="1400"/>
-              <a:t>.</a:t>
-            </a:r>
-          </a:p>
-          <a:p>
-            <a:r>
-              <a:rPr lang="ko-KR" altLang="en-US" sz="1400"/>
-              <a:t>하지만 계산마다 </a:t>
-            </a:r>
-            <a:r>
-              <a:rPr lang="en-US" altLang="ko-KR" sz="1400"/>
-              <a:t>16</a:t>
-            </a:r>
-            <a:r>
-              <a:rPr lang="ko-KR" altLang="en-US" sz="1400"/>
-              <a:t>개의 새롭게 </a:t>
-            </a:r>
-            <a:r>
-              <a:rPr lang="en-US" altLang="ko-KR" sz="1400"/>
-              <a:t>data </a:t>
-            </a:r>
-            <a:r>
-              <a:rPr lang="ko-KR" altLang="en-US" sz="1400"/>
-              <a:t>어레이를 선언하여 계산 수행하는 것은 비효율적으로 보인다</a:t>
-            </a:r>
-            <a:r>
-              <a:rPr lang="en-US" altLang="ko-KR" sz="1400"/>
-              <a:t>. </a:t>
-            </a:r>
-            <a:r>
-              <a:rPr lang="ko-KR" altLang="en-US" sz="1400"/>
-              <a:t>덧셈 </a:t>
-            </a:r>
-            <a:r>
-              <a:rPr lang="en-US" altLang="ko-KR" sz="1400"/>
-              <a:t>iteration</a:t>
-            </a:r>
-            <a:r>
-              <a:rPr lang="ko-KR" altLang="en-US" sz="1400"/>
-              <a:t>마다 각 </a:t>
-            </a:r>
-            <a:r>
-              <a:rPr lang="en-US" altLang="ko-KR" sz="1400"/>
-              <a:t>data array</a:t>
-            </a:r>
-            <a:r>
-              <a:rPr lang="ko-KR" altLang="en-US" sz="1400"/>
-              <a:t>는 거의 차이를 보이지 않는다</a:t>
-            </a:r>
-            <a:r>
-              <a:rPr lang="en-US" altLang="ko-KR" sz="1400"/>
-              <a:t>. </a:t>
-            </a:r>
-            <a:r>
-              <a:rPr lang="ko-KR" altLang="en-US" sz="1400"/>
-              <a:t>따라서 해당 차이에 해당하는 픽셀만 바꿔주는 </a:t>
-            </a:r>
-            <a:r>
-              <a:rPr lang="en-US" altLang="ko-KR" sz="1400"/>
-              <a:t>data shuffling </a:t>
-            </a:r>
-            <a:r>
-              <a:rPr lang="ko-KR" altLang="en-US" sz="1400"/>
-              <a:t>작업을 통해 성능 향상이 기대된다</a:t>
-            </a:r>
-            <a:r>
-              <a:rPr lang="en-US" altLang="ko-KR" sz="1400"/>
-              <a:t>.</a:t>
-            </a:r>
-          </a:p>
-          <a:p>
-            <a:r>
-              <a:rPr lang="en-US" altLang="ko-KR" sz="1400"/>
-              <a:t>Exercise4</a:t>
-            </a:r>
-            <a:r>
-              <a:rPr lang="ko-KR" altLang="en-US" sz="1400"/>
-              <a:t>와 유사하게 </a:t>
-            </a:r>
-            <a:r>
-              <a:rPr lang="en-US" altLang="ko-KR" sz="1400"/>
-              <a:t>[</a:t>
-            </a:r>
-            <a:r>
-              <a:rPr lang="en-US" altLang="ko-KR" sz="1800">
-                <a:solidFill>
-                  <a:srgbClr val="2B91AF"/>
-                </a:solidFill>
-                <a:latin typeface="돋움체" panose="020B0609000101010101" pitchFamily="49" charset="-127"/>
-                <a:ea typeface="돋움체" panose="020B0609000101010101" pitchFamily="49" charset="-127"/>
-              </a:rPr>
-              <a:t>__m128</a:t>
-            </a:r>
-            <a:r>
-              <a:rPr lang="en-US" altLang="ko-KR" sz="1800">
-                <a:solidFill>
-                  <a:srgbClr val="000000"/>
-                </a:solidFill>
-                <a:latin typeface="돋움체" panose="020B0609000101010101" pitchFamily="49" charset="-127"/>
-                <a:ea typeface="돋움체" panose="020B0609000101010101" pitchFamily="49" charset="-127"/>
-              </a:rPr>
-              <a:t>* pResult = (</a:t>
-            </a:r>
-            <a:r>
-              <a:rPr lang="en-US" altLang="ko-KR" sz="1800">
-                <a:solidFill>
-                  <a:srgbClr val="2B91AF"/>
-                </a:solidFill>
-                <a:latin typeface="돋움체" panose="020B0609000101010101" pitchFamily="49" charset="-127"/>
-                <a:ea typeface="돋움체" panose="020B0609000101010101" pitchFamily="49" charset="-127"/>
-              </a:rPr>
-              <a:t>__m128</a:t>
-            </a:r>
-            <a:r>
-              <a:rPr lang="en-US" altLang="ko-KR" sz="1800">
-                <a:solidFill>
-                  <a:srgbClr val="000000"/>
-                </a:solidFill>
-                <a:latin typeface="돋움체" panose="020B0609000101010101" pitchFamily="49" charset="-127"/>
-                <a:ea typeface="돋움체" panose="020B0609000101010101" pitchFamily="49" charset="-127"/>
-              </a:rPr>
-              <a:t>*) </a:t>
-            </a:r>
-            <a:r>
-              <a:rPr lang="en-US" altLang="ko-KR" sz="1800">
-                <a:solidFill>
-                  <a:srgbClr val="808080"/>
-                </a:solidFill>
-                <a:latin typeface="돋움체" panose="020B0609000101010101" pitchFamily="49" charset="-127"/>
-                <a:ea typeface="돋움체" panose="020B0609000101010101" pitchFamily="49" charset="-127"/>
-              </a:rPr>
-              <a:t>result</a:t>
-            </a:r>
-            <a:r>
-              <a:rPr lang="en-US" altLang="ko-KR" sz="1800">
-                <a:solidFill>
-                  <a:srgbClr val="000000"/>
-                </a:solidFill>
-                <a:latin typeface="돋움체" panose="020B0609000101010101" pitchFamily="49" charset="-127"/>
-                <a:ea typeface="돋움체" panose="020B0609000101010101" pitchFamily="49" charset="-127"/>
-              </a:rPr>
-              <a:t>;] </a:t>
-            </a:r>
-            <a:r>
-              <a:rPr lang="ko-KR" altLang="en-US" sz="1400"/>
-              <a:t>꼴의 작업을 통해 </a:t>
-            </a:r>
-            <a:r>
-              <a:rPr lang="en-US" altLang="ko-KR" sz="1400"/>
-              <a:t>data type</a:t>
-            </a:r>
-            <a:r>
-              <a:rPr lang="ko-KR" altLang="en-US" sz="1400"/>
-              <a:t>을 쉽게 변경</a:t>
-            </a:r>
-            <a:r>
-              <a:rPr lang="en-US" altLang="ko-KR" sz="1400"/>
-              <a:t>, </a:t>
-            </a:r>
-            <a:r>
-              <a:rPr lang="ko-KR" altLang="en-US" sz="1400"/>
-              <a:t>저장을 진행한다</a:t>
-            </a:r>
-            <a:r>
-              <a:rPr lang="en-US" altLang="ko-KR" sz="1400"/>
-              <a:t>.</a:t>
-            </a:r>
-          </a:p>
-          <a:p>
-            <a:r>
-              <a:rPr lang="ko-KR" altLang="en-US" sz="1400"/>
-              <a:t>아직 </a:t>
-            </a:r>
-            <a:r>
-              <a:rPr lang="en-US" altLang="ko-KR" sz="1400"/>
-              <a:t>SSE</a:t>
-            </a:r>
-            <a:r>
-              <a:rPr lang="ko-KR" altLang="en-US" sz="1400"/>
-              <a:t>에 대한 이해도가 현저히 부족해</a:t>
-            </a:r>
-            <a:r>
-              <a:rPr lang="en-US" altLang="ko-KR" sz="1400"/>
-              <a:t>, </a:t>
-            </a:r>
-            <a:r>
-              <a:rPr lang="ko-KR" altLang="en-US" sz="1400"/>
-              <a:t>추후 수업을 통해 직관력 및 함수 사용 능력을 향상시킬 예정이다</a:t>
-            </a:r>
-            <a:r>
-              <a:rPr lang="en-US" altLang="ko-KR" sz="1400"/>
-              <a:t>.</a:t>
-            </a:r>
-          </a:p>
-          <a:p>
-            <a:endParaRPr lang="en-US" altLang="ko-KR" sz="1400" dirty="0"/>
-          </a:p>
-        </p:txBody>
-      </p:sp>
+              <a:rPr lang="en-US" altLang="ko-KR" sz="4000" dirty="0"/>
+              <a:t>Main</a:t>
+            </a:r>
+            <a:endParaRPr lang="ko-KR" altLang="en-US" sz="4000" dirty="0"/>
+          </a:p>
+        </p:txBody>
+      </p:sp>
+      <p:sp>
+        <p:nvSpPr>
+          <p:cNvPr id="7" name="내용 개체 틀 4">
+            <a:extLst>
+              <a:ext uri="{FF2B5EF4-FFF2-40B4-BE49-F238E27FC236}">
+                <a16:creationId xmlns:a16="http://schemas.microsoft.com/office/drawing/2014/main" id="{614A1BF9-4F93-4461-8462-61A79AC9C3FB}"/>
+              </a:ext>
+            </a:extLst>
+          </p:cNvPr>
+          <p:cNvSpPr>
+            <a:spLocks noGrp="1"/>
+          </p:cNvSpPr>
+          <p:nvPr>
+            <p:ph idx="1"/>
+          </p:nvPr>
+        </p:nvSpPr>
+        <p:spPr>
+          <a:xfrm>
+            <a:off x="838200" y="776533"/>
+            <a:ext cx="10515600" cy="1063052"/>
+          </a:xfrm>
+        </p:spPr>
+        <p:txBody>
+          <a:bodyPr>
+            <a:noAutofit/>
+          </a:bodyPr>
+          <a:lstStyle/>
+          <a:p>
+            <a:r>
+              <a:rPr lang="en-US" altLang="ko-KR" sz="1800" dirty="0">
+                <a:solidFill>
+                  <a:srgbClr val="000000"/>
+                </a:solidFill>
+                <a:latin typeface="Noto Sans"/>
+              </a:rPr>
+              <a:t>3</a:t>
+            </a:r>
+            <a:r>
+              <a:rPr lang="ko-KR" altLang="en-US" sz="1800" dirty="0">
+                <a:solidFill>
+                  <a:srgbClr val="000000"/>
+                </a:solidFill>
+                <a:latin typeface="Noto Sans"/>
+              </a:rPr>
+              <a:t>개의 </a:t>
+            </a:r>
+            <a:r>
+              <a:rPr lang="en-US" altLang="ko-KR" sz="1800" dirty="0">
+                <a:solidFill>
+                  <a:srgbClr val="000000"/>
+                </a:solidFill>
+                <a:latin typeface="Noto Sans"/>
+              </a:rPr>
+              <a:t>task</a:t>
+            </a:r>
+            <a:r>
+              <a:rPr lang="ko-KR" altLang="en-US" sz="1800" dirty="0">
+                <a:solidFill>
+                  <a:srgbClr val="000000"/>
+                </a:solidFill>
+                <a:latin typeface="Noto Sans"/>
+              </a:rPr>
+              <a:t>로 이루어져 실행된다</a:t>
+            </a:r>
+            <a:endParaRPr lang="en-US" altLang="ko-KR" sz="1800" dirty="0">
+              <a:solidFill>
+                <a:srgbClr val="000000"/>
+              </a:solidFill>
+              <a:latin typeface="Noto Sans"/>
+            </a:endParaRPr>
+          </a:p>
+          <a:p>
+            <a:pPr lvl="1"/>
+            <a:r>
+              <a:rPr lang="en-US" altLang="ko-KR" sz="1400" dirty="0">
+                <a:solidFill>
+                  <a:srgbClr val="000000"/>
+                </a:solidFill>
+                <a:latin typeface="Noto Sans"/>
+              </a:rPr>
+              <a:t>Task 1 : </a:t>
+            </a:r>
+            <a:r>
+              <a:rPr lang="ko-KR" altLang="en-US" sz="1400" dirty="0">
+                <a:solidFill>
+                  <a:srgbClr val="000000"/>
+                </a:solidFill>
+                <a:latin typeface="Noto Sans"/>
+              </a:rPr>
+              <a:t>기본 이미지 및 결과 이미지 선언 및 평균 계산 시간 측정</a:t>
+            </a:r>
+            <a:endParaRPr lang="en-US" altLang="ko-KR" sz="1400" dirty="0">
+              <a:solidFill>
+                <a:srgbClr val="000000"/>
+              </a:solidFill>
+              <a:latin typeface="Noto Sans"/>
+            </a:endParaRPr>
+          </a:p>
+          <a:p>
+            <a:pPr lvl="1"/>
+            <a:r>
+              <a:rPr lang="en-US" altLang="ko-KR" sz="1400" dirty="0">
+                <a:solidFill>
+                  <a:srgbClr val="000000"/>
+                </a:solidFill>
+                <a:latin typeface="Noto Sans"/>
+              </a:rPr>
+              <a:t>Task 2 : Image </a:t>
+            </a:r>
+            <a:r>
+              <a:rPr lang="ko-KR" altLang="en-US" sz="1400" dirty="0">
+                <a:solidFill>
+                  <a:srgbClr val="000000"/>
+                </a:solidFill>
+                <a:latin typeface="Noto Sans"/>
+              </a:rPr>
+              <a:t>확인을 위한 출력 진행</a:t>
+            </a:r>
+          </a:p>
+        </p:txBody>
+      </p:sp>
+      <p:sp>
+        <p:nvSpPr>
+          <p:cNvPr id="8" name="TextBox 7">
+            <a:extLst>
+              <a:ext uri="{FF2B5EF4-FFF2-40B4-BE49-F238E27FC236}">
+                <a16:creationId xmlns:a16="http://schemas.microsoft.com/office/drawing/2014/main" id="{4EBC9273-B394-4062-B852-D345B7B63DA7}"/>
+              </a:ext>
+            </a:extLst>
+          </p:cNvPr>
+          <p:cNvSpPr txBox="1"/>
+          <p:nvPr/>
+        </p:nvSpPr>
+        <p:spPr>
+          <a:xfrm>
+            <a:off x="916578" y="6508513"/>
+            <a:ext cx="4170783" cy="307777"/>
+          </a:xfrm>
+          <a:prstGeom prst="rect">
+            <a:avLst/>
+          </a:prstGeom>
+          <a:noFill/>
+        </p:spPr>
+        <p:txBody>
+          <a:bodyPr wrap="square" rtlCol="0">
+            <a:spAutoFit/>
+          </a:bodyPr>
+          <a:lstStyle/>
+          <a:p>
+            <a:pPr algn="ctr"/>
+            <a:r>
+              <a:rPr lang="en-US" altLang="ko-KR" sz="1400" dirty="0"/>
+              <a:t>Task 1 : </a:t>
+            </a:r>
+            <a:r>
+              <a:rPr lang="ko-KR" altLang="en-US" sz="1400" dirty="0"/>
+              <a:t>기본 이미지 확인 및 실행</a:t>
+            </a:r>
+          </a:p>
+        </p:txBody>
+      </p:sp>
+      <p:sp>
+        <p:nvSpPr>
+          <p:cNvPr id="13" name="TextBox 12">
+            <a:extLst>
+              <a:ext uri="{FF2B5EF4-FFF2-40B4-BE49-F238E27FC236}">
+                <a16:creationId xmlns:a16="http://schemas.microsoft.com/office/drawing/2014/main" id="{B8372BEB-6A89-4E1B-9DC0-896BD173385A}"/>
+              </a:ext>
+            </a:extLst>
+          </p:cNvPr>
+          <p:cNvSpPr txBox="1"/>
+          <p:nvPr/>
+        </p:nvSpPr>
+        <p:spPr>
+          <a:xfrm>
+            <a:off x="7104641" y="6495450"/>
+            <a:ext cx="4170783" cy="307777"/>
+          </a:xfrm>
+          <a:prstGeom prst="rect">
+            <a:avLst/>
+          </a:prstGeom>
+          <a:noFill/>
+        </p:spPr>
+        <p:txBody>
+          <a:bodyPr wrap="square" rtlCol="0">
+            <a:spAutoFit/>
+          </a:bodyPr>
+          <a:lstStyle/>
+          <a:p>
+            <a:pPr algn="ctr"/>
+            <a:r>
+              <a:rPr lang="en-US" altLang="ko-KR" sz="1400" dirty="0"/>
+              <a:t>Task 2 : </a:t>
+            </a:r>
+            <a:r>
+              <a:rPr lang="ko-KR" altLang="en-US" sz="1400" dirty="0"/>
+              <a:t>결과 이미지 출력</a:t>
+            </a:r>
+          </a:p>
+        </p:txBody>
+      </p:sp>
+      <p:pic>
+        <p:nvPicPr>
+          <p:cNvPr id="4" name="그림 3">
+            <a:extLst>
+              <a:ext uri="{FF2B5EF4-FFF2-40B4-BE49-F238E27FC236}">
+                <a16:creationId xmlns:a16="http://schemas.microsoft.com/office/drawing/2014/main" id="{D7309AB4-299B-4491-9802-FFD658FE52A2}"/>
+              </a:ext>
+            </a:extLst>
+          </p:cNvPr>
+          <p:cNvPicPr>
+            <a:picLocks noChangeAspect="1"/>
+          </p:cNvPicPr>
+          <p:nvPr/>
+        </p:nvPicPr>
+        <p:blipFill>
+          <a:blip r:embed="rId2"/>
+          <a:stretch>
+            <a:fillRect/>
+          </a:stretch>
+        </p:blipFill>
+        <p:spPr>
+          <a:xfrm>
+            <a:off x="344396" y="1615836"/>
+            <a:ext cx="5551307" cy="4892677"/>
+          </a:xfrm>
+          <a:prstGeom prst="rect">
+            <a:avLst/>
+          </a:prstGeom>
+        </p:spPr>
+      </p:pic>
+      <p:pic>
+        <p:nvPicPr>
+          <p:cNvPr id="6" name="그림 5">
+            <a:extLst>
+              <a:ext uri="{FF2B5EF4-FFF2-40B4-BE49-F238E27FC236}">
+                <a16:creationId xmlns:a16="http://schemas.microsoft.com/office/drawing/2014/main" id="{2A976C90-EA33-4A84-B732-378847EFC13C}"/>
+              </a:ext>
+            </a:extLst>
+          </p:cNvPr>
+          <p:cNvPicPr>
+            <a:picLocks noChangeAspect="1"/>
+          </p:cNvPicPr>
+          <p:nvPr/>
+        </p:nvPicPr>
+        <p:blipFill>
+          <a:blip r:embed="rId3"/>
+          <a:stretch>
+            <a:fillRect/>
+          </a:stretch>
+        </p:blipFill>
+        <p:spPr>
+          <a:xfrm>
+            <a:off x="6084979" y="2266134"/>
+            <a:ext cx="5762625" cy="2952750"/>
+          </a:xfrm>
+          <a:prstGeom prst="rect">
+            <a:avLst/>
+          </a:prstGeom>
+        </p:spPr>
+      </p:pic>
     </p:spTree>
     <p:extLst>
       <p:ext uri="{BB962C8B-B14F-4D97-AF65-F5344CB8AC3E}">
-        <p14:creationId xmlns:p14="http://schemas.microsoft.com/office/powerpoint/2010/main" val="3699511392"/>
+        <p14:creationId xmlns:p14="http://schemas.microsoft.com/office/powerpoint/2010/main" val="586954235"/>
+      </p:ext>
+    </p:extLst>
+  </p:cSld>
+  <p:clrMapOvr>
+    <a:masterClrMapping/>
+  </p:clrMapOvr>
+</p:sld>
+</file>
+
+<file path=ppt/slides/slide7.xml><?xml version="1.0" encoding="utf-8"?>
+<p:sld xmlns:a="http://schemas.openxmlformats.org/drawingml/2006/main" xmlns:r="http://schemas.openxmlformats.org/officeDocument/2006/relationships" xmlns:p="http://schemas.openxmlformats.org/presentationml/2006/main">
+  <p:cSld>
+    <p:spTree>
+      <p:nvGrpSpPr>
+        <p:cNvPr id="1" name=""/>
+        <p:cNvGrpSpPr/>
+        <p:nvPr/>
+      </p:nvGrpSpPr>
+      <p:grpSpPr>
+        <a:xfrm>
+          <a:off x="0" y="0"/>
+          <a:ext cx="0" cy="0"/>
+          <a:chOff x="0" y="0"/>
+          <a:chExt cx="0" cy="0"/>
+        </a:xfrm>
+      </p:grpSpPr>
+      <p:sp>
+        <p:nvSpPr>
+          <p:cNvPr id="6" name="TextBox 5">
+            <a:extLst>
+              <a:ext uri="{FF2B5EF4-FFF2-40B4-BE49-F238E27FC236}">
+                <a16:creationId xmlns:a16="http://schemas.microsoft.com/office/drawing/2014/main" id="{5961063F-EFD4-4251-93EB-7BF378ACBD36}"/>
+              </a:ext>
+            </a:extLst>
+          </p:cNvPr>
+          <p:cNvSpPr txBox="1"/>
+          <p:nvPr/>
+        </p:nvSpPr>
+        <p:spPr>
+          <a:xfrm>
+            <a:off x="6513484" y="6537644"/>
+            <a:ext cx="4170783" cy="307777"/>
+          </a:xfrm>
+          <a:prstGeom prst="rect">
+            <a:avLst/>
+          </a:prstGeom>
+          <a:noFill/>
+        </p:spPr>
+        <p:txBody>
+          <a:bodyPr wrap="square" rtlCol="0">
+            <a:spAutoFit/>
+          </a:bodyPr>
+          <a:lstStyle/>
+          <a:p>
+            <a:pPr algn="ctr"/>
+            <a:r>
+              <a:rPr lang="en-US" altLang="ko-KR" sz="1400" dirty="0"/>
+              <a:t>Vertical Calculation / Store</a:t>
+            </a:r>
+            <a:endParaRPr lang="ko-KR" altLang="en-US" sz="1400" dirty="0"/>
+          </a:p>
+        </p:txBody>
+      </p:sp>
+      <p:sp>
+        <p:nvSpPr>
+          <p:cNvPr id="5" name="제목 1">
+            <a:extLst>
+              <a:ext uri="{FF2B5EF4-FFF2-40B4-BE49-F238E27FC236}">
+                <a16:creationId xmlns:a16="http://schemas.microsoft.com/office/drawing/2014/main" id="{4D033EBC-0BAB-4AFE-B95D-4299FB5D15F5}"/>
+              </a:ext>
+            </a:extLst>
+          </p:cNvPr>
+          <p:cNvSpPr txBox="1">
+            <a:spLocks/>
+          </p:cNvSpPr>
+          <p:nvPr/>
+        </p:nvSpPr>
+        <p:spPr>
+          <a:xfrm>
+            <a:off x="838200" y="0"/>
+            <a:ext cx="10515600" cy="800099"/>
+          </a:xfrm>
+          <a:prstGeom prst="rect">
+            <a:avLst/>
+          </a:prstGeom>
+        </p:spPr>
+        <p:txBody>
+          <a:bodyPr vert="horz" lIns="91440" tIns="45720" rIns="91440" bIns="45720" rtlCol="0" anchor="ctr">
+            <a:normAutofit/>
+          </a:bodyPr>
+          <a:lstStyle>
+            <a:lvl1pPr algn="l" defTabSz="914400" rtl="0" eaLnBrk="1" latinLnBrk="1" hangingPunct="1">
+              <a:lnSpc>
+                <a:spcPct val="90000"/>
+              </a:lnSpc>
+              <a:spcBef>
+                <a:spcPct val="0"/>
+              </a:spcBef>
+              <a:buNone/>
+              <a:defRPr sz="4400" kern="1200">
+                <a:solidFill>
+                  <a:schemeClr val="tx1"/>
+                </a:solidFill>
+                <a:latin typeface="+mj-lt"/>
+                <a:ea typeface="+mj-ea"/>
+                <a:cs typeface="+mj-cs"/>
+              </a:defRPr>
+            </a:lvl1pPr>
+          </a:lstStyle>
+          <a:p>
+            <a:r>
+              <a:rPr lang="en-US" altLang="ko-KR" sz="4000" dirty="0"/>
+              <a:t>SSE</a:t>
+            </a:r>
+            <a:r>
+              <a:rPr lang="ko-KR" altLang="en-US" sz="4000" dirty="0"/>
+              <a:t> </a:t>
+            </a:r>
+            <a:r>
+              <a:rPr lang="en-US" altLang="ko-KR" sz="4000" dirty="0"/>
+              <a:t>Mean</a:t>
+            </a:r>
+            <a:r>
+              <a:rPr lang="ko-KR" altLang="en-US" sz="4000" dirty="0"/>
+              <a:t> </a:t>
+            </a:r>
+            <a:r>
+              <a:rPr lang="en-US" altLang="ko-KR" sz="4000" dirty="0"/>
+              <a:t>Filter</a:t>
+            </a:r>
+            <a:r>
+              <a:rPr lang="ko-KR" altLang="en-US" sz="4000" dirty="0"/>
+              <a:t> </a:t>
+            </a:r>
+            <a:r>
+              <a:rPr lang="en-US" altLang="ko-KR" sz="4000" dirty="0"/>
+              <a:t>8bit</a:t>
+            </a:r>
+            <a:r>
+              <a:rPr lang="ko-KR" altLang="en-US" sz="4000" dirty="0"/>
+              <a:t> </a:t>
+            </a:r>
+            <a:r>
+              <a:rPr lang="en-US" altLang="ko-KR" sz="4000" dirty="0"/>
+              <a:t>#2 – Vertical / Store</a:t>
+            </a:r>
+            <a:endParaRPr lang="ko-KR" altLang="en-US" sz="4000" dirty="0"/>
+          </a:p>
+        </p:txBody>
+      </p:sp>
+      <p:sp>
+        <p:nvSpPr>
+          <p:cNvPr id="7" name="내용 개체 틀 4">
+            <a:extLst>
+              <a:ext uri="{FF2B5EF4-FFF2-40B4-BE49-F238E27FC236}">
+                <a16:creationId xmlns:a16="http://schemas.microsoft.com/office/drawing/2014/main" id="{F2C30BFE-17E5-4F4F-B87E-45DE636BA355}"/>
+              </a:ext>
+            </a:extLst>
+          </p:cNvPr>
+          <p:cNvSpPr>
+            <a:spLocks noGrp="1"/>
+          </p:cNvSpPr>
+          <p:nvPr>
+            <p:ph idx="1"/>
+          </p:nvPr>
+        </p:nvSpPr>
+        <p:spPr>
+          <a:xfrm>
+            <a:off x="838200" y="800098"/>
+            <a:ext cx="10515600" cy="1490255"/>
+          </a:xfrm>
+        </p:spPr>
+        <p:txBody>
+          <a:bodyPr>
+            <a:noAutofit/>
+          </a:bodyPr>
+          <a:lstStyle/>
+          <a:p>
+            <a:r>
+              <a:rPr lang="en-US" altLang="ko-KR" sz="1800" dirty="0">
+                <a:solidFill>
+                  <a:srgbClr val="000000"/>
+                </a:solidFill>
+                <a:latin typeface="Noto Sans"/>
+              </a:rPr>
+              <a:t>Vertical Calculation</a:t>
+            </a:r>
+          </a:p>
+          <a:p>
+            <a:r>
+              <a:rPr lang="ko-KR" altLang="en-US" sz="1800" dirty="0">
+                <a:solidFill>
+                  <a:srgbClr val="000000"/>
+                </a:solidFill>
+                <a:latin typeface="Noto Sans"/>
+              </a:rPr>
+              <a:t>앞서 계산된 </a:t>
+            </a:r>
+            <a:r>
+              <a:rPr lang="en-US" altLang="ko-KR" sz="1800" dirty="0">
+                <a:solidFill>
+                  <a:srgbClr val="000000"/>
+                </a:solidFill>
+                <a:latin typeface="Noto Sans"/>
+              </a:rPr>
+              <a:t>Row Sum</a:t>
+            </a:r>
+            <a:r>
+              <a:rPr lang="ko-KR" altLang="en-US" sz="1800" dirty="0">
+                <a:solidFill>
+                  <a:srgbClr val="000000"/>
+                </a:solidFill>
+                <a:latin typeface="Noto Sans"/>
+              </a:rPr>
+              <a:t>을 각각 더해 왼쪽 그림과 같이 </a:t>
+            </a:r>
+            <a:r>
+              <a:rPr lang="en-US" altLang="ko-KR" sz="1800" dirty="0">
+                <a:solidFill>
+                  <a:srgbClr val="000000"/>
+                </a:solidFill>
+                <a:latin typeface="Noto Sans"/>
+              </a:rPr>
+              <a:t>2</a:t>
+            </a:r>
+            <a:r>
+              <a:rPr lang="ko-KR" altLang="en-US" sz="1800" dirty="0">
+                <a:solidFill>
+                  <a:srgbClr val="000000"/>
+                </a:solidFill>
+                <a:latin typeface="Noto Sans"/>
+              </a:rPr>
+              <a:t>개의 </a:t>
+            </a:r>
+            <a:r>
+              <a:rPr lang="en-US" altLang="ko-KR" sz="1800" dirty="0">
+                <a:solidFill>
+                  <a:srgbClr val="000000"/>
+                </a:solidFill>
+                <a:latin typeface="Noto Sans"/>
+              </a:rPr>
+              <a:t>Vertical Sum</a:t>
+            </a:r>
+            <a:r>
+              <a:rPr lang="ko-KR" altLang="en-US" sz="1800" dirty="0">
+                <a:solidFill>
+                  <a:srgbClr val="000000"/>
+                </a:solidFill>
+                <a:latin typeface="Noto Sans"/>
+              </a:rPr>
+              <a:t>을 생성</a:t>
+            </a:r>
+            <a:endParaRPr lang="en-US" altLang="ko-KR" sz="1800" dirty="0">
+              <a:solidFill>
+                <a:srgbClr val="000000"/>
+              </a:solidFill>
+              <a:latin typeface="Noto Sans"/>
+            </a:endParaRPr>
+          </a:p>
+          <a:p>
+            <a:r>
+              <a:rPr lang="ko-KR" altLang="en-US" sz="1800" dirty="0">
+                <a:solidFill>
+                  <a:srgbClr val="000000"/>
+                </a:solidFill>
+                <a:latin typeface="Noto Sans"/>
+              </a:rPr>
+              <a:t>생성된 두개의 </a:t>
+            </a:r>
+            <a:r>
+              <a:rPr lang="en-US" altLang="ko-KR" sz="1800" dirty="0">
+                <a:solidFill>
+                  <a:srgbClr val="000000"/>
+                </a:solidFill>
+                <a:latin typeface="Noto Sans"/>
+              </a:rPr>
+              <a:t>16bit </a:t>
+            </a:r>
+            <a:r>
+              <a:rPr lang="ko-KR" altLang="en-US" sz="1800" dirty="0">
+                <a:solidFill>
+                  <a:srgbClr val="000000"/>
+                </a:solidFill>
+                <a:latin typeface="Noto Sans"/>
+              </a:rPr>
+              <a:t>결과를 </a:t>
+            </a:r>
+            <a:r>
+              <a:rPr lang="en-US" altLang="ko-KR" sz="1800" dirty="0">
+                <a:solidFill>
+                  <a:srgbClr val="000000"/>
+                </a:solidFill>
+                <a:latin typeface="Noto Sans"/>
+              </a:rPr>
+              <a:t>for</a:t>
+            </a:r>
+            <a:r>
+              <a:rPr lang="ko-KR" altLang="en-US" sz="1800" dirty="0">
+                <a:solidFill>
+                  <a:srgbClr val="000000"/>
+                </a:solidFill>
+                <a:latin typeface="Noto Sans"/>
+              </a:rPr>
+              <a:t>문을 통해 </a:t>
+            </a:r>
+            <a:r>
+              <a:rPr lang="en-US" altLang="ko-KR" sz="1800" dirty="0">
+                <a:solidFill>
+                  <a:srgbClr val="000000"/>
+                </a:solidFill>
+                <a:latin typeface="Noto Sans"/>
+              </a:rPr>
+              <a:t>8bit answer</a:t>
+            </a:r>
+            <a:r>
+              <a:rPr lang="ko-KR" altLang="en-US" sz="1800" dirty="0">
+                <a:solidFill>
+                  <a:srgbClr val="000000"/>
+                </a:solidFill>
+                <a:latin typeface="Noto Sans"/>
+              </a:rPr>
+              <a:t>에 저장</a:t>
+            </a:r>
+            <a:endParaRPr lang="en-US" altLang="ko-KR" sz="1800" dirty="0">
+              <a:solidFill>
+                <a:srgbClr val="000000"/>
+              </a:solidFill>
+              <a:latin typeface="Noto Sans"/>
+            </a:endParaRPr>
+          </a:p>
+          <a:p>
+            <a:r>
+              <a:rPr lang="ko-KR" altLang="en-US" sz="1800" dirty="0">
+                <a:solidFill>
+                  <a:srgbClr val="000000"/>
+                </a:solidFill>
+                <a:latin typeface="Noto Sans"/>
+              </a:rPr>
+              <a:t>이후 해당 </a:t>
+            </a:r>
+            <a:r>
+              <a:rPr lang="en-US" altLang="ko-KR" sz="1800" dirty="0">
+                <a:solidFill>
+                  <a:srgbClr val="000000"/>
+                </a:solidFill>
+                <a:latin typeface="Noto Sans"/>
+              </a:rPr>
+              <a:t>answer</a:t>
+            </a:r>
+            <a:r>
+              <a:rPr lang="ko-KR" altLang="en-US" sz="1800" dirty="0">
+                <a:solidFill>
+                  <a:srgbClr val="000000"/>
+                </a:solidFill>
+                <a:latin typeface="Noto Sans"/>
+              </a:rPr>
+              <a:t>를 </a:t>
+            </a:r>
+            <a:r>
+              <a:rPr lang="en-US" altLang="ko-KR" sz="1800" dirty="0">
+                <a:solidFill>
+                  <a:srgbClr val="000000"/>
+                </a:solidFill>
+                <a:latin typeface="Noto Sans"/>
+              </a:rPr>
+              <a:t>output array</a:t>
+            </a:r>
+            <a:r>
+              <a:rPr lang="ko-KR" altLang="en-US" sz="1800" dirty="0">
+                <a:solidFill>
+                  <a:srgbClr val="000000"/>
+                </a:solidFill>
+                <a:latin typeface="Noto Sans"/>
+              </a:rPr>
+              <a:t>에 업데이트를 진행</a:t>
+            </a:r>
+            <a:endParaRPr lang="ko-KR" altLang="en-US" sz="1000" dirty="0">
+              <a:solidFill>
+                <a:srgbClr val="000000"/>
+              </a:solidFill>
+              <a:latin typeface="Noto Sans"/>
+            </a:endParaRPr>
+          </a:p>
+        </p:txBody>
+      </p:sp>
+      <p:pic>
+        <p:nvPicPr>
+          <p:cNvPr id="15" name="그림 14">
+            <a:extLst>
+              <a:ext uri="{FF2B5EF4-FFF2-40B4-BE49-F238E27FC236}">
+                <a16:creationId xmlns:a16="http://schemas.microsoft.com/office/drawing/2014/main" id="{F78A5C9F-D14F-42DD-AAC9-515F76BCA788}"/>
+              </a:ext>
+            </a:extLst>
+          </p:cNvPr>
+          <p:cNvPicPr>
+            <a:picLocks noChangeAspect="1"/>
+          </p:cNvPicPr>
+          <p:nvPr/>
+        </p:nvPicPr>
+        <p:blipFill rotWithShape="1">
+          <a:blip r:embed="rId2"/>
+          <a:srcRect r="48332" b="24608"/>
+          <a:stretch/>
+        </p:blipFill>
+        <p:spPr>
+          <a:xfrm>
+            <a:off x="351745" y="2633095"/>
+            <a:ext cx="4316050" cy="3561806"/>
+          </a:xfrm>
+          <a:prstGeom prst="rect">
+            <a:avLst/>
+          </a:prstGeom>
+        </p:spPr>
+      </p:pic>
+      <p:pic>
+        <p:nvPicPr>
+          <p:cNvPr id="17" name="그림 16">
+            <a:extLst>
+              <a:ext uri="{FF2B5EF4-FFF2-40B4-BE49-F238E27FC236}">
+                <a16:creationId xmlns:a16="http://schemas.microsoft.com/office/drawing/2014/main" id="{4FF54B62-11E8-4A00-8136-01DE937139B8}"/>
+              </a:ext>
+            </a:extLst>
+          </p:cNvPr>
+          <p:cNvPicPr>
+            <a:picLocks noChangeAspect="1"/>
+          </p:cNvPicPr>
+          <p:nvPr/>
+        </p:nvPicPr>
+        <p:blipFill>
+          <a:blip r:embed="rId3"/>
+          <a:stretch>
+            <a:fillRect/>
+          </a:stretch>
+        </p:blipFill>
+        <p:spPr>
+          <a:xfrm>
+            <a:off x="5227440" y="3147807"/>
+            <a:ext cx="6742869" cy="3047094"/>
+          </a:xfrm>
+          <a:prstGeom prst="rect">
+            <a:avLst/>
+          </a:prstGeom>
+        </p:spPr>
+      </p:pic>
+    </p:spTree>
+    <p:extLst>
+      <p:ext uri="{BB962C8B-B14F-4D97-AF65-F5344CB8AC3E}">
+        <p14:creationId xmlns:p14="http://schemas.microsoft.com/office/powerpoint/2010/main" val="1018920859"/>
+      </p:ext>
+    </p:extLst>
+  </p:cSld>
+  <p:clrMapOvr>
+    <a:masterClrMapping/>
+  </p:clrMapOvr>
+</p:sld>
+</file>
+
+<file path=ppt/slides/slide8.xml><?xml version="1.0" encoding="utf-8"?>
+<p:sld xmlns:a="http://schemas.openxmlformats.org/drawingml/2006/main" xmlns:r="http://schemas.openxmlformats.org/officeDocument/2006/relationships" xmlns:p="http://schemas.openxmlformats.org/presentationml/2006/main">
+  <p:cSld>
+    <p:spTree>
+      <p:nvGrpSpPr>
+        <p:cNvPr id="1" name=""/>
+        <p:cNvGrpSpPr/>
+        <p:nvPr/>
+      </p:nvGrpSpPr>
+      <p:grpSpPr>
+        <a:xfrm>
+          <a:off x="0" y="0"/>
+          <a:ext cx="0" cy="0"/>
+          <a:chOff x="0" y="0"/>
+          <a:chExt cx="0" cy="0"/>
+        </a:xfrm>
+      </p:grpSpPr>
+      <p:sp>
+        <p:nvSpPr>
+          <p:cNvPr id="6" name="TextBox 5">
+            <a:extLst>
+              <a:ext uri="{FF2B5EF4-FFF2-40B4-BE49-F238E27FC236}">
+                <a16:creationId xmlns:a16="http://schemas.microsoft.com/office/drawing/2014/main" id="{5961063F-EFD4-4251-93EB-7BF378ACBD36}"/>
+              </a:ext>
+            </a:extLst>
+          </p:cNvPr>
+          <p:cNvSpPr txBox="1"/>
+          <p:nvPr/>
+        </p:nvSpPr>
+        <p:spPr>
+          <a:xfrm>
+            <a:off x="6513484" y="6537644"/>
+            <a:ext cx="4170783" cy="307777"/>
+          </a:xfrm>
+          <a:prstGeom prst="rect">
+            <a:avLst/>
+          </a:prstGeom>
+          <a:noFill/>
+        </p:spPr>
+        <p:txBody>
+          <a:bodyPr wrap="square" rtlCol="0">
+            <a:spAutoFit/>
+          </a:bodyPr>
+          <a:lstStyle/>
+          <a:p>
+            <a:pPr algn="ctr"/>
+            <a:r>
+              <a:rPr lang="en-US" altLang="ko-KR" sz="1400" dirty="0"/>
+              <a:t>Horizontal Calculation</a:t>
+            </a:r>
+            <a:endParaRPr lang="ko-KR" altLang="en-US" sz="1400" dirty="0"/>
+          </a:p>
+        </p:txBody>
+      </p:sp>
+      <p:sp>
+        <p:nvSpPr>
+          <p:cNvPr id="5" name="제목 1">
+            <a:extLst>
+              <a:ext uri="{FF2B5EF4-FFF2-40B4-BE49-F238E27FC236}">
+                <a16:creationId xmlns:a16="http://schemas.microsoft.com/office/drawing/2014/main" id="{4D033EBC-0BAB-4AFE-B95D-4299FB5D15F5}"/>
+              </a:ext>
+            </a:extLst>
+          </p:cNvPr>
+          <p:cNvSpPr txBox="1">
+            <a:spLocks/>
+          </p:cNvSpPr>
+          <p:nvPr/>
+        </p:nvSpPr>
+        <p:spPr>
+          <a:xfrm>
+            <a:off x="838200" y="0"/>
+            <a:ext cx="10515600" cy="800099"/>
+          </a:xfrm>
+          <a:prstGeom prst="rect">
+            <a:avLst/>
+          </a:prstGeom>
+        </p:spPr>
+        <p:txBody>
+          <a:bodyPr vert="horz" lIns="91440" tIns="45720" rIns="91440" bIns="45720" rtlCol="0" anchor="ctr">
+            <a:normAutofit/>
+          </a:bodyPr>
+          <a:lstStyle>
+            <a:lvl1pPr algn="l" defTabSz="914400" rtl="0" eaLnBrk="1" latinLnBrk="1" hangingPunct="1">
+              <a:lnSpc>
+                <a:spcPct val="90000"/>
+              </a:lnSpc>
+              <a:spcBef>
+                <a:spcPct val="0"/>
+              </a:spcBef>
+              <a:buNone/>
+              <a:defRPr sz="4400" kern="1200">
+                <a:solidFill>
+                  <a:schemeClr val="tx1"/>
+                </a:solidFill>
+                <a:latin typeface="+mj-lt"/>
+                <a:ea typeface="+mj-ea"/>
+                <a:cs typeface="+mj-cs"/>
+              </a:defRPr>
+            </a:lvl1pPr>
+          </a:lstStyle>
+          <a:p>
+            <a:r>
+              <a:rPr lang="en-US" altLang="ko-KR" sz="4000" dirty="0"/>
+              <a:t>SSE</a:t>
+            </a:r>
+            <a:r>
+              <a:rPr lang="ko-KR" altLang="en-US" sz="4000" dirty="0"/>
+              <a:t> </a:t>
+            </a:r>
+            <a:r>
+              <a:rPr lang="en-US" altLang="ko-KR" sz="4000" dirty="0"/>
+              <a:t>Mean</a:t>
+            </a:r>
+            <a:r>
+              <a:rPr lang="ko-KR" altLang="en-US" sz="4000" dirty="0"/>
+              <a:t> </a:t>
+            </a:r>
+            <a:r>
+              <a:rPr lang="en-US" altLang="ko-KR" sz="4000" dirty="0"/>
+              <a:t>Filter</a:t>
+            </a:r>
+            <a:r>
+              <a:rPr lang="ko-KR" altLang="en-US" sz="4000" dirty="0"/>
+              <a:t> </a:t>
+            </a:r>
+            <a:r>
+              <a:rPr lang="en-US" altLang="ko-KR" sz="4000" dirty="0"/>
+              <a:t>8bit</a:t>
+            </a:r>
+            <a:r>
+              <a:rPr lang="ko-KR" altLang="en-US" sz="4000" dirty="0"/>
+              <a:t> </a:t>
+            </a:r>
+            <a:r>
+              <a:rPr lang="en-US" altLang="ko-KR" sz="4000" dirty="0"/>
+              <a:t>#3 - Vertical / Store</a:t>
+            </a:r>
+            <a:endParaRPr lang="ko-KR" altLang="en-US" sz="4000" dirty="0"/>
+          </a:p>
+        </p:txBody>
+      </p:sp>
+      <p:sp>
+        <p:nvSpPr>
+          <p:cNvPr id="7" name="내용 개체 틀 4">
+            <a:extLst>
+              <a:ext uri="{FF2B5EF4-FFF2-40B4-BE49-F238E27FC236}">
+                <a16:creationId xmlns:a16="http://schemas.microsoft.com/office/drawing/2014/main" id="{F2C30BFE-17E5-4F4F-B87E-45DE636BA355}"/>
+              </a:ext>
+            </a:extLst>
+          </p:cNvPr>
+          <p:cNvSpPr>
+            <a:spLocks noGrp="1"/>
+          </p:cNvSpPr>
+          <p:nvPr>
+            <p:ph idx="1"/>
+          </p:nvPr>
+        </p:nvSpPr>
+        <p:spPr>
+          <a:xfrm>
+            <a:off x="838200" y="800098"/>
+            <a:ext cx="10515600" cy="1490255"/>
+          </a:xfrm>
+        </p:spPr>
+        <p:txBody>
+          <a:bodyPr>
+            <a:noAutofit/>
+          </a:bodyPr>
+          <a:lstStyle/>
+          <a:p>
+            <a:r>
+              <a:rPr lang="en-US" altLang="ko-KR" sz="1800" dirty="0">
+                <a:solidFill>
+                  <a:srgbClr val="000000"/>
+                </a:solidFill>
+                <a:latin typeface="Noto Sans"/>
+              </a:rPr>
+              <a:t>Horizontal Calculation</a:t>
+            </a:r>
+            <a:r>
+              <a:rPr lang="ko-KR" altLang="en-US" sz="1800" dirty="0">
+                <a:solidFill>
+                  <a:srgbClr val="000000"/>
+                </a:solidFill>
+                <a:latin typeface="Noto Sans"/>
+              </a:rPr>
+              <a:t>을 진행한다</a:t>
+            </a:r>
+            <a:endParaRPr lang="en-US" altLang="ko-KR" sz="1800" dirty="0">
+              <a:solidFill>
+                <a:srgbClr val="000000"/>
+              </a:solidFill>
+              <a:latin typeface="Noto Sans"/>
+            </a:endParaRPr>
+          </a:p>
+          <a:p>
+            <a:r>
+              <a:rPr lang="ko-KR" altLang="en-US" sz="1800" dirty="0">
+                <a:solidFill>
+                  <a:srgbClr val="000000"/>
+                </a:solidFill>
+                <a:latin typeface="Noto Sans"/>
+              </a:rPr>
+              <a:t>각 첫 </a:t>
+            </a:r>
+            <a:r>
+              <a:rPr lang="en-US" altLang="ko-KR" sz="1800" dirty="0">
+                <a:solidFill>
+                  <a:srgbClr val="000000"/>
+                </a:solidFill>
+                <a:latin typeface="Noto Sans"/>
+              </a:rPr>
+              <a:t>Row</a:t>
+            </a:r>
+            <a:r>
+              <a:rPr lang="ko-KR" altLang="en-US" sz="1800" dirty="0">
+                <a:solidFill>
+                  <a:srgbClr val="000000"/>
+                </a:solidFill>
+                <a:latin typeface="Noto Sans"/>
+              </a:rPr>
+              <a:t>마다 다음 </a:t>
+            </a:r>
+            <a:r>
+              <a:rPr lang="en-US" altLang="ko-KR" sz="1800" dirty="0">
+                <a:solidFill>
+                  <a:srgbClr val="000000"/>
+                </a:solidFill>
+                <a:latin typeface="Noto Sans"/>
+              </a:rPr>
+              <a:t>128bit</a:t>
+            </a:r>
+            <a:r>
+              <a:rPr lang="ko-KR" altLang="en-US" sz="1800" dirty="0">
+                <a:solidFill>
+                  <a:srgbClr val="000000"/>
+                </a:solidFill>
+                <a:latin typeface="Noto Sans"/>
+              </a:rPr>
+              <a:t> 어레이를 불러와</a:t>
+            </a:r>
+            <a:r>
+              <a:rPr lang="en-US" altLang="ko-KR" sz="1800" dirty="0">
+                <a:solidFill>
+                  <a:srgbClr val="000000"/>
+                </a:solidFill>
+                <a:latin typeface="Noto Sans"/>
+              </a:rPr>
+              <a:t>, </a:t>
+            </a:r>
+            <a:r>
+              <a:rPr lang="en-US" altLang="ko-KR" sz="1800" dirty="0" err="1">
+                <a:solidFill>
+                  <a:srgbClr val="000000"/>
+                </a:solidFill>
+                <a:latin typeface="Noto Sans"/>
+              </a:rPr>
+              <a:t>alignr</a:t>
+            </a:r>
+            <a:r>
+              <a:rPr lang="ko-KR" altLang="en-US" sz="1800" dirty="0">
+                <a:solidFill>
+                  <a:srgbClr val="000000"/>
+                </a:solidFill>
+                <a:latin typeface="Noto Sans"/>
+              </a:rPr>
+              <a:t>을 진행해 새로운 </a:t>
+            </a:r>
+            <a:r>
+              <a:rPr lang="en-US" altLang="ko-KR" sz="1800" dirty="0">
+                <a:solidFill>
+                  <a:srgbClr val="000000"/>
+                </a:solidFill>
+                <a:latin typeface="Noto Sans"/>
+              </a:rPr>
+              <a:t>row</a:t>
+            </a:r>
+            <a:r>
+              <a:rPr lang="ko-KR" altLang="en-US" sz="1800" dirty="0">
+                <a:solidFill>
+                  <a:srgbClr val="000000"/>
+                </a:solidFill>
+                <a:latin typeface="Noto Sans"/>
+              </a:rPr>
+              <a:t>를 생성한다</a:t>
+            </a:r>
+            <a:endParaRPr lang="en-US" altLang="ko-KR" sz="1800" dirty="0">
+              <a:solidFill>
+                <a:srgbClr val="000000"/>
+              </a:solidFill>
+              <a:latin typeface="Noto Sans"/>
+            </a:endParaRPr>
+          </a:p>
+          <a:p>
+            <a:r>
+              <a:rPr lang="en-US" altLang="ko-KR" sz="1800" dirty="0" err="1">
+                <a:solidFill>
+                  <a:srgbClr val="000000"/>
+                </a:solidFill>
+                <a:latin typeface="Noto Sans"/>
+              </a:rPr>
+              <a:t>Uchar</a:t>
+            </a:r>
+            <a:r>
+              <a:rPr lang="ko-KR" altLang="en-US" sz="1800" dirty="0">
+                <a:solidFill>
+                  <a:srgbClr val="000000"/>
+                </a:solidFill>
+                <a:latin typeface="Noto Sans"/>
+              </a:rPr>
+              <a:t> 값으로는 최대 </a:t>
+            </a:r>
+            <a:r>
+              <a:rPr lang="en-US" altLang="ko-KR" sz="1800" dirty="0">
+                <a:solidFill>
+                  <a:srgbClr val="000000"/>
+                </a:solidFill>
+                <a:latin typeface="Noto Sans"/>
+              </a:rPr>
+              <a:t>255</a:t>
+            </a:r>
+            <a:r>
+              <a:rPr lang="ko-KR" altLang="en-US" sz="1800" dirty="0">
+                <a:solidFill>
+                  <a:srgbClr val="000000"/>
+                </a:solidFill>
+                <a:latin typeface="Noto Sans"/>
+              </a:rPr>
+              <a:t>까지만 계산 가능하므로</a:t>
+            </a:r>
+            <a:r>
+              <a:rPr lang="en-US" altLang="ko-KR" sz="1800" dirty="0">
+                <a:solidFill>
+                  <a:srgbClr val="000000"/>
+                </a:solidFill>
+                <a:latin typeface="Noto Sans"/>
+              </a:rPr>
+              <a:t>, Unpack</a:t>
+            </a:r>
+            <a:r>
+              <a:rPr lang="ko-KR" altLang="en-US" sz="1800" dirty="0">
+                <a:solidFill>
+                  <a:srgbClr val="000000"/>
+                </a:solidFill>
+                <a:latin typeface="Noto Sans"/>
+              </a:rPr>
+              <a:t>하여 </a:t>
+            </a:r>
+            <a:r>
+              <a:rPr lang="en-US" altLang="ko-KR" sz="1800" dirty="0">
+                <a:solidFill>
+                  <a:srgbClr val="000000"/>
+                </a:solidFill>
+                <a:latin typeface="Noto Sans"/>
+              </a:rPr>
+              <a:t>16bit</a:t>
+            </a:r>
+            <a:r>
+              <a:rPr lang="ko-KR" altLang="en-US" sz="1800" dirty="0">
+                <a:solidFill>
+                  <a:srgbClr val="000000"/>
+                </a:solidFill>
+                <a:latin typeface="Noto Sans"/>
+              </a:rPr>
+              <a:t>로 </a:t>
+            </a:r>
+            <a:r>
+              <a:rPr lang="en-US" altLang="ko-KR" sz="1800" dirty="0">
+                <a:solidFill>
+                  <a:srgbClr val="000000"/>
+                </a:solidFill>
+                <a:latin typeface="Noto Sans"/>
+              </a:rPr>
+              <a:t>sum</a:t>
+            </a:r>
+            <a:r>
+              <a:rPr lang="ko-KR" altLang="en-US" sz="1800" dirty="0">
+                <a:solidFill>
+                  <a:srgbClr val="000000"/>
+                </a:solidFill>
+                <a:latin typeface="Noto Sans"/>
+              </a:rPr>
+              <a:t>을 </a:t>
+            </a:r>
+            <a:r>
+              <a:rPr lang="ko-KR" altLang="en-US" sz="1800" dirty="0" err="1">
+                <a:solidFill>
+                  <a:srgbClr val="000000"/>
+                </a:solidFill>
+                <a:latin typeface="Noto Sans"/>
+              </a:rPr>
+              <a:t>두개씩</a:t>
+            </a:r>
+            <a:r>
+              <a:rPr lang="ko-KR" altLang="en-US" sz="1800" dirty="0">
+                <a:solidFill>
+                  <a:srgbClr val="000000"/>
+                </a:solidFill>
+                <a:latin typeface="Noto Sans"/>
+              </a:rPr>
+              <a:t> 생성한다</a:t>
+            </a:r>
+            <a:endParaRPr lang="ko-KR" altLang="en-US" sz="1000" dirty="0">
+              <a:solidFill>
+                <a:srgbClr val="000000"/>
+              </a:solidFill>
+              <a:latin typeface="Noto Sans"/>
+            </a:endParaRPr>
+          </a:p>
+        </p:txBody>
+      </p:sp>
+      <p:pic>
+        <p:nvPicPr>
+          <p:cNvPr id="13" name="그림 12">
+            <a:extLst>
+              <a:ext uri="{FF2B5EF4-FFF2-40B4-BE49-F238E27FC236}">
+                <a16:creationId xmlns:a16="http://schemas.microsoft.com/office/drawing/2014/main" id="{C65ACFFE-A1D2-4C66-BB20-2819BCAB0221}"/>
+              </a:ext>
+            </a:extLst>
+          </p:cNvPr>
+          <p:cNvPicPr>
+            <a:picLocks noChangeAspect="1"/>
+          </p:cNvPicPr>
+          <p:nvPr/>
+        </p:nvPicPr>
+        <p:blipFill>
+          <a:blip r:embed="rId2"/>
+          <a:stretch>
+            <a:fillRect/>
+          </a:stretch>
+        </p:blipFill>
+        <p:spPr>
+          <a:xfrm>
+            <a:off x="5096146" y="2088230"/>
+            <a:ext cx="7005461" cy="4449414"/>
+          </a:xfrm>
+          <a:prstGeom prst="rect">
+            <a:avLst/>
+          </a:prstGeom>
+        </p:spPr>
+      </p:pic>
+      <p:pic>
+        <p:nvPicPr>
+          <p:cNvPr id="14" name="그림 13">
+            <a:extLst>
+              <a:ext uri="{FF2B5EF4-FFF2-40B4-BE49-F238E27FC236}">
+                <a16:creationId xmlns:a16="http://schemas.microsoft.com/office/drawing/2014/main" id="{6837579B-3C5C-4D87-9B99-87F45FDA752B}"/>
+              </a:ext>
+            </a:extLst>
+          </p:cNvPr>
+          <p:cNvPicPr>
+            <a:picLocks noChangeAspect="1"/>
+          </p:cNvPicPr>
+          <p:nvPr/>
+        </p:nvPicPr>
+        <p:blipFill>
+          <a:blip r:embed="rId3"/>
+          <a:stretch>
+            <a:fillRect/>
+          </a:stretch>
+        </p:blipFill>
+        <p:spPr>
+          <a:xfrm>
+            <a:off x="90393" y="2921672"/>
+            <a:ext cx="4874740" cy="2991448"/>
+          </a:xfrm>
+          <a:prstGeom prst="rect">
+            <a:avLst/>
+          </a:prstGeom>
+        </p:spPr>
+      </p:pic>
+    </p:spTree>
+    <p:extLst>
+      <p:ext uri="{BB962C8B-B14F-4D97-AF65-F5344CB8AC3E}">
+        <p14:creationId xmlns:p14="http://schemas.microsoft.com/office/powerpoint/2010/main" val="2256677434"/>
+      </p:ext>
+    </p:extLst>
+  </p:cSld>
+  <p:clrMapOvr>
+    <a:masterClrMapping/>
+  </p:clrMapOvr>
+</p:sld>
+</file>
+
+<file path=ppt/slides/slide9.xml><?xml version="1.0" encoding="utf-8"?>
+<p:sld xmlns:a="http://schemas.openxmlformats.org/drawingml/2006/main" xmlns:r="http://schemas.openxmlformats.org/officeDocument/2006/relationships" xmlns:p="http://schemas.openxmlformats.org/presentationml/2006/main">
+  <p:cSld>
+    <p:spTree>
+      <p:nvGrpSpPr>
+        <p:cNvPr id="1" name=""/>
+        <p:cNvGrpSpPr/>
+        <p:nvPr/>
+      </p:nvGrpSpPr>
+      <p:grpSpPr>
+        <a:xfrm>
+          <a:off x="0" y="0"/>
+          <a:ext cx="0" cy="0"/>
+          <a:chOff x="0" y="0"/>
+          <a:chExt cx="0" cy="0"/>
+        </a:xfrm>
+      </p:grpSpPr>
+      <p:sp>
+        <p:nvSpPr>
+          <p:cNvPr id="2" name="제목 1">
+            <a:extLst>
+              <a:ext uri="{FF2B5EF4-FFF2-40B4-BE49-F238E27FC236}">
+                <a16:creationId xmlns:a16="http://schemas.microsoft.com/office/drawing/2014/main" id="{0E46A305-4707-4A95-98ED-B07749F0CB3F}"/>
+              </a:ext>
+            </a:extLst>
+          </p:cNvPr>
+          <p:cNvSpPr>
+            <a:spLocks noGrp="1"/>
+          </p:cNvSpPr>
+          <p:nvPr>
+            <p:ph type="title"/>
+          </p:nvPr>
+        </p:nvSpPr>
+        <p:spPr/>
+        <p:txBody>
+          <a:bodyPr/>
+          <a:lstStyle/>
+          <a:p>
+            <a:r>
+              <a:rPr lang="en-US" altLang="ko-KR" dirty="0"/>
+              <a:t>Result (image)</a:t>
+            </a:r>
+            <a:endParaRPr lang="ko-KR" altLang="en-US" dirty="0"/>
+          </a:p>
+        </p:txBody>
+      </p:sp>
+      <p:sp>
+        <p:nvSpPr>
+          <p:cNvPr id="8" name="TextBox 7">
+            <a:extLst>
+              <a:ext uri="{FF2B5EF4-FFF2-40B4-BE49-F238E27FC236}">
+                <a16:creationId xmlns:a16="http://schemas.microsoft.com/office/drawing/2014/main" id="{F5859841-F56B-4D74-820C-DC52F082DE42}"/>
+              </a:ext>
+            </a:extLst>
+          </p:cNvPr>
+          <p:cNvSpPr txBox="1"/>
+          <p:nvPr/>
+        </p:nvSpPr>
+        <p:spPr>
+          <a:xfrm>
+            <a:off x="1121768" y="6550968"/>
+            <a:ext cx="4170783" cy="307777"/>
+          </a:xfrm>
+          <a:prstGeom prst="rect">
+            <a:avLst/>
+          </a:prstGeom>
+          <a:noFill/>
+        </p:spPr>
+        <p:txBody>
+          <a:bodyPr wrap="square" rtlCol="0">
+            <a:spAutoFit/>
+          </a:bodyPr>
+          <a:lstStyle/>
+          <a:p>
+            <a:pPr algn="ctr"/>
+            <a:r>
+              <a:rPr lang="en-US" altLang="ko-KR" sz="1400" dirty="0"/>
+              <a:t>Original</a:t>
+            </a:r>
+            <a:endParaRPr lang="ko-KR" altLang="en-US" sz="1400" dirty="0"/>
+          </a:p>
+        </p:txBody>
+      </p:sp>
+      <p:sp>
+        <p:nvSpPr>
+          <p:cNvPr id="9" name="TextBox 8">
+            <a:extLst>
+              <a:ext uri="{FF2B5EF4-FFF2-40B4-BE49-F238E27FC236}">
+                <a16:creationId xmlns:a16="http://schemas.microsoft.com/office/drawing/2014/main" id="{77466581-A76D-4139-9DA3-5A02C74DE86C}"/>
+              </a:ext>
+            </a:extLst>
+          </p:cNvPr>
+          <p:cNvSpPr txBox="1"/>
+          <p:nvPr/>
+        </p:nvSpPr>
+        <p:spPr>
+          <a:xfrm>
+            <a:off x="6969116" y="6550968"/>
+            <a:ext cx="4170783" cy="307777"/>
+          </a:xfrm>
+          <a:prstGeom prst="rect">
+            <a:avLst/>
+          </a:prstGeom>
+          <a:noFill/>
+        </p:spPr>
+        <p:txBody>
+          <a:bodyPr wrap="square" rtlCol="0">
+            <a:spAutoFit/>
+          </a:bodyPr>
+          <a:lstStyle/>
+          <a:p>
+            <a:pPr algn="ctr"/>
+            <a:r>
+              <a:rPr lang="en-US" altLang="ko-KR" sz="1400" dirty="0"/>
+              <a:t>3x3 Mean Filter</a:t>
+            </a:r>
+            <a:endParaRPr lang="ko-KR" altLang="en-US" sz="1400" dirty="0"/>
+          </a:p>
+        </p:txBody>
+      </p:sp>
+      <p:sp>
+        <p:nvSpPr>
+          <p:cNvPr id="11" name="내용 개체 틀 4">
+            <a:extLst>
+              <a:ext uri="{FF2B5EF4-FFF2-40B4-BE49-F238E27FC236}">
+                <a16:creationId xmlns:a16="http://schemas.microsoft.com/office/drawing/2014/main" id="{D8CC9072-5680-4239-9429-6383DCC3DBDB}"/>
+              </a:ext>
+            </a:extLst>
+          </p:cNvPr>
+          <p:cNvSpPr>
+            <a:spLocks noGrp="1"/>
+          </p:cNvSpPr>
+          <p:nvPr>
+            <p:ph idx="1"/>
+          </p:nvPr>
+        </p:nvSpPr>
+        <p:spPr>
+          <a:xfrm>
+            <a:off x="838200" y="1468919"/>
+            <a:ext cx="10515600" cy="529647"/>
+          </a:xfrm>
+        </p:spPr>
+        <p:txBody>
+          <a:bodyPr>
+            <a:normAutofit/>
+          </a:bodyPr>
+          <a:lstStyle/>
+          <a:p>
+            <a:r>
+              <a:rPr lang="ko-KR" altLang="en-US" sz="2400" dirty="0">
+                <a:solidFill>
+                  <a:srgbClr val="000000"/>
+                </a:solidFill>
+                <a:latin typeface="Noto Sans"/>
+              </a:rPr>
+              <a:t>기존 이미지에 비해 </a:t>
+            </a:r>
+            <a:r>
+              <a:rPr lang="en-US" altLang="ko-KR" sz="2400" dirty="0">
+                <a:solidFill>
+                  <a:srgbClr val="000000"/>
+                </a:solidFill>
+                <a:latin typeface="Noto Sans"/>
+              </a:rPr>
+              <a:t>Blur </a:t>
+            </a:r>
+            <a:r>
+              <a:rPr lang="ko-KR" altLang="en-US" sz="2400" dirty="0">
+                <a:solidFill>
+                  <a:srgbClr val="000000"/>
+                </a:solidFill>
+                <a:latin typeface="Noto Sans"/>
+              </a:rPr>
+              <a:t>처리 확인</a:t>
+            </a:r>
+            <a:endParaRPr lang="en-US" altLang="ko-KR" sz="2400" b="0" i="0" dirty="0">
+              <a:solidFill>
+                <a:srgbClr val="000000"/>
+              </a:solidFill>
+              <a:effectLst/>
+              <a:latin typeface="Noto Sans"/>
+            </a:endParaRPr>
+          </a:p>
+        </p:txBody>
+      </p:sp>
+      <p:pic>
+        <p:nvPicPr>
+          <p:cNvPr id="5" name="그림 4" descr="사람, 여자, 하얀색이(가) 표시된 사진&#10;&#10;자동 생성된 설명">
+            <a:extLst>
+              <a:ext uri="{FF2B5EF4-FFF2-40B4-BE49-F238E27FC236}">
+                <a16:creationId xmlns:a16="http://schemas.microsoft.com/office/drawing/2014/main" id="{07B5FC29-7D83-4F31-95E1-B8D951A1CE06}"/>
+              </a:ext>
+            </a:extLst>
+          </p:cNvPr>
+          <p:cNvPicPr>
+            <a:picLocks noChangeAspect="1"/>
+          </p:cNvPicPr>
+          <p:nvPr/>
+        </p:nvPicPr>
+        <p:blipFill>
+          <a:blip r:embed="rId2">
+            <a:extLst>
+              <a:ext uri="{28A0092B-C50C-407E-A947-70E740481C1C}">
+                <a14:useLocalDpi xmlns:a14="http://schemas.microsoft.com/office/drawing/2010/main" val="0"/>
+              </a:ext>
+            </a:extLst>
+          </a:blip>
+          <a:stretch>
+            <a:fillRect/>
+          </a:stretch>
+        </p:blipFill>
+        <p:spPr>
+          <a:xfrm>
+            <a:off x="6674526" y="2085593"/>
+            <a:ext cx="4465375" cy="4465375"/>
+          </a:xfrm>
+          <a:prstGeom prst="rect">
+            <a:avLst/>
+          </a:prstGeom>
+        </p:spPr>
+      </p:pic>
+      <p:pic>
+        <p:nvPicPr>
+          <p:cNvPr id="10" name="그림 9" descr="사람, 여자, 실외, 머리장식이(가) 표시된 사진&#10;&#10;자동 생성된 설명">
+            <a:extLst>
+              <a:ext uri="{FF2B5EF4-FFF2-40B4-BE49-F238E27FC236}">
+                <a16:creationId xmlns:a16="http://schemas.microsoft.com/office/drawing/2014/main" id="{EAE19F6A-CC99-49B2-918F-2D2CD4943F27}"/>
+              </a:ext>
+            </a:extLst>
+          </p:cNvPr>
+          <p:cNvPicPr>
+            <a:picLocks noChangeAspect="1"/>
+          </p:cNvPicPr>
+          <p:nvPr/>
+        </p:nvPicPr>
+        <p:blipFill>
+          <a:blip r:embed="rId3">
+            <a:extLst>
+              <a:ext uri="{28A0092B-C50C-407E-A947-70E740481C1C}">
+                <a14:useLocalDpi xmlns:a14="http://schemas.microsoft.com/office/drawing/2010/main" val="0"/>
+              </a:ext>
+            </a:extLst>
+          </a:blip>
+          <a:stretch>
+            <a:fillRect/>
+          </a:stretch>
+        </p:blipFill>
+        <p:spPr>
+          <a:xfrm>
+            <a:off x="1052101" y="2085593"/>
+            <a:ext cx="4465375" cy="4465375"/>
+          </a:xfrm>
+          <a:prstGeom prst="rect">
+            <a:avLst/>
+          </a:prstGeom>
+        </p:spPr>
+      </p:pic>
+    </p:spTree>
+    <p:extLst>
+      <p:ext uri="{BB962C8B-B14F-4D97-AF65-F5344CB8AC3E}">
+        <p14:creationId xmlns:p14="http://schemas.microsoft.com/office/powerpoint/2010/main" val="2431919971"/>
       </p:ext>
     </p:extLst>
   </p:cSld>
